--- a/팀프로젝트/사용데이터.pptx
+++ b/팀프로젝트/사용데이터.pptx
@@ -5,21 +5,19 @@
     <p:sldMasterId id="2147483648" r:id="rId1"/>
   </p:sldMasterIdLst>
   <p:sldIdLst>
-    <p:sldId id="264" r:id="rId2"/>
-    <p:sldId id="257" r:id="rId3"/>
-    <p:sldId id="258" r:id="rId4"/>
-    <p:sldId id="262" r:id="rId5"/>
-    <p:sldId id="265" r:id="rId6"/>
-    <p:sldId id="266" r:id="rId7"/>
-    <p:sldId id="269" r:id="rId8"/>
-    <p:sldId id="270" r:id="rId9"/>
-    <p:sldId id="268" r:id="rId10"/>
-    <p:sldId id="263" r:id="rId11"/>
-    <p:sldId id="267" r:id="rId12"/>
+    <p:sldId id="271" r:id="rId2"/>
+    <p:sldId id="264" r:id="rId3"/>
+    <p:sldId id="257" r:id="rId4"/>
+    <p:sldId id="258" r:id="rId5"/>
+    <p:sldId id="262" r:id="rId6"/>
+    <p:sldId id="265" r:id="rId7"/>
+    <p:sldId id="266" r:id="rId8"/>
+    <p:sldId id="269" r:id="rId9"/>
+    <p:sldId id="270" r:id="rId10"/>
+    <p:sldId id="268" r:id="rId11"/>
+    <p:sldId id="263" r:id="rId12"/>
     <p:sldId id="261" r:id="rId13"/>
-    <p:sldId id="271" r:id="rId14"/>
-    <p:sldId id="260" r:id="rId15"/>
-    <p:sldId id="272" r:id="rId16"/>
+    <p:sldId id="260" r:id="rId14"/>
   </p:sldIdLst>
   <p:sldSz cx="12192000" cy="6858000"/>
   <p:notesSz cx="6858000" cy="9144000"/>
@@ -118,7 +116,61 @@
       </a:defRPr>
     </a:lvl9pPr>
   </p:defaultTextStyle>
+  <p:extLst>
+    <p:ext uri="{EFAFB233-063F-42B5-8137-9DF3F51BA10A}">
+      <p15:sldGuideLst xmlns:p15="http://schemas.microsoft.com/office/powerpoint/2012/main"/>
+    </p:ext>
+  </p:extLst>
 </p:presentation>
+</file>
+
+<file path=ppt/changesInfos/changesInfo1.xml><?xml version="1.0" encoding="utf-8"?>
+<pc:chgInfo xmlns:a="http://schemas.openxmlformats.org/drawingml/2006/main" xmlns:r="http://schemas.openxmlformats.org/officeDocument/2006/relationships" xmlns:ac="http://schemas.microsoft.com/office/drawing/2013/main/command" xmlns:pc="http://schemas.microsoft.com/office/powerpoint/2013/main/command">
+  <pc:docChgLst>
+    <pc:chgData name="민호 양" userId="215d546a128ffa62" providerId="LiveId" clId="{1259887B-54C1-4D98-8FAF-15AE0446D940}"/>
+    <pc:docChg chg="undo custSel addSld delSld modSld sldOrd">
+      <pc:chgData name="민호 양" userId="215d546a128ffa62" providerId="LiveId" clId="{1259887B-54C1-4D98-8FAF-15AE0446D940}" dt="2024-11-05T04:10:18.793" v="7"/>
+      <pc:docMkLst>
+        <pc:docMk/>
+      </pc:docMkLst>
+      <pc:sldChg chg="add del">
+        <pc:chgData name="민호 양" userId="215d546a128ffa62" providerId="LiveId" clId="{1259887B-54C1-4D98-8FAF-15AE0446D940}" dt="2024-11-05T04:10:11.286" v="3" actId="47"/>
+        <pc:sldMkLst>
+          <pc:docMk/>
+          <pc:sldMk cId="2179533991" sldId="260"/>
+        </pc:sldMkLst>
+      </pc:sldChg>
+      <pc:sldChg chg="del">
+        <pc:chgData name="민호 양" userId="215d546a128ffa62" providerId="LiveId" clId="{1259887B-54C1-4D98-8FAF-15AE0446D940}" dt="2024-11-05T04:10:07.716" v="0" actId="47"/>
+        <pc:sldMkLst>
+          <pc:docMk/>
+          <pc:sldMk cId="3786713388" sldId="267"/>
+        </pc:sldMkLst>
+      </pc:sldChg>
+      <pc:sldChg chg="new ord">
+        <pc:chgData name="민호 양" userId="215d546a128ffa62" providerId="LiveId" clId="{1259887B-54C1-4D98-8FAF-15AE0446D940}" dt="2024-11-05T04:10:18.793" v="7"/>
+        <pc:sldMkLst>
+          <pc:docMk/>
+          <pc:sldMk cId="712575640" sldId="271"/>
+        </pc:sldMkLst>
+      </pc:sldChg>
+      <pc:sldChg chg="del">
+        <pc:chgData name="민호 양" userId="215d546a128ffa62" providerId="LiveId" clId="{1259887B-54C1-4D98-8FAF-15AE0446D940}" dt="2024-11-05T04:10:09.618" v="1" actId="47"/>
+        <pc:sldMkLst>
+          <pc:docMk/>
+          <pc:sldMk cId="2553193714" sldId="271"/>
+        </pc:sldMkLst>
+      </pc:sldChg>
+      <pc:sldChg chg="del">
+        <pc:chgData name="민호 양" userId="215d546a128ffa62" providerId="LiveId" clId="{1259887B-54C1-4D98-8FAF-15AE0446D940}" dt="2024-11-05T04:10:12.513" v="4" actId="47"/>
+        <pc:sldMkLst>
+          <pc:docMk/>
+          <pc:sldMk cId="1845813708" sldId="272"/>
+        </pc:sldMkLst>
+      </pc:sldChg>
+    </pc:docChg>
+  </pc:docChgLst>
+</pc:chgInfo>
 </file>
 
 <file path=ppt/slideLayouts/slideLayout1.xml><?xml version="1.0" encoding="utf-8"?>
@@ -268,7 +320,7 @@
           <a:p>
             <a:fld id="{AD077FC1-9A52-4CB1-9D5A-AD3BFF91C3D1}" type="datetimeFigureOut">
               <a:rPr lang="ko-KR" altLang="en-US" smtClean="0"/>
-              <a:t>2024-11-03</a:t>
+              <a:t>2024-11-05</a:t>
             </a:fld>
             <a:endParaRPr lang="ko-KR" altLang="en-US"/>
           </a:p>
@@ -466,7 +518,7 @@
           <a:p>
             <a:fld id="{AD077FC1-9A52-4CB1-9D5A-AD3BFF91C3D1}" type="datetimeFigureOut">
               <a:rPr lang="ko-KR" altLang="en-US" smtClean="0"/>
-              <a:t>2024-11-03</a:t>
+              <a:t>2024-11-05</a:t>
             </a:fld>
             <a:endParaRPr lang="ko-KR" altLang="en-US"/>
           </a:p>
@@ -674,7 +726,7 @@
           <a:p>
             <a:fld id="{AD077FC1-9A52-4CB1-9D5A-AD3BFF91C3D1}" type="datetimeFigureOut">
               <a:rPr lang="ko-KR" altLang="en-US" smtClean="0"/>
-              <a:t>2024-11-03</a:t>
+              <a:t>2024-11-05</a:t>
             </a:fld>
             <a:endParaRPr lang="ko-KR" altLang="en-US"/>
           </a:p>
@@ -872,7 +924,7 @@
           <a:p>
             <a:fld id="{AD077FC1-9A52-4CB1-9D5A-AD3BFF91C3D1}" type="datetimeFigureOut">
               <a:rPr lang="ko-KR" altLang="en-US" smtClean="0"/>
-              <a:t>2024-11-03</a:t>
+              <a:t>2024-11-05</a:t>
             </a:fld>
             <a:endParaRPr lang="ko-KR" altLang="en-US"/>
           </a:p>
@@ -1147,7 +1199,7 @@
           <a:p>
             <a:fld id="{AD077FC1-9A52-4CB1-9D5A-AD3BFF91C3D1}" type="datetimeFigureOut">
               <a:rPr lang="ko-KR" altLang="en-US" smtClean="0"/>
-              <a:t>2024-11-03</a:t>
+              <a:t>2024-11-05</a:t>
             </a:fld>
             <a:endParaRPr lang="ko-KR" altLang="en-US"/>
           </a:p>
@@ -1412,7 +1464,7 @@
           <a:p>
             <a:fld id="{AD077FC1-9A52-4CB1-9D5A-AD3BFF91C3D1}" type="datetimeFigureOut">
               <a:rPr lang="ko-KR" altLang="en-US" smtClean="0"/>
-              <a:t>2024-11-03</a:t>
+              <a:t>2024-11-05</a:t>
             </a:fld>
             <a:endParaRPr lang="ko-KR" altLang="en-US"/>
           </a:p>
@@ -1824,7 +1876,7 @@
           <a:p>
             <a:fld id="{AD077FC1-9A52-4CB1-9D5A-AD3BFF91C3D1}" type="datetimeFigureOut">
               <a:rPr lang="ko-KR" altLang="en-US" smtClean="0"/>
-              <a:t>2024-11-03</a:t>
+              <a:t>2024-11-05</a:t>
             </a:fld>
             <a:endParaRPr lang="ko-KR" altLang="en-US"/>
           </a:p>
@@ -1965,7 +2017,7 @@
           <a:p>
             <a:fld id="{AD077FC1-9A52-4CB1-9D5A-AD3BFF91C3D1}" type="datetimeFigureOut">
               <a:rPr lang="ko-KR" altLang="en-US" smtClean="0"/>
-              <a:t>2024-11-03</a:t>
+              <a:t>2024-11-05</a:t>
             </a:fld>
             <a:endParaRPr lang="ko-KR" altLang="en-US"/>
           </a:p>
@@ -2078,7 +2130,7 @@
           <a:p>
             <a:fld id="{AD077FC1-9A52-4CB1-9D5A-AD3BFF91C3D1}" type="datetimeFigureOut">
               <a:rPr lang="ko-KR" altLang="en-US" smtClean="0"/>
-              <a:t>2024-11-03</a:t>
+              <a:t>2024-11-05</a:t>
             </a:fld>
             <a:endParaRPr lang="ko-KR" altLang="en-US"/>
           </a:p>
@@ -2389,7 +2441,7 @@
           <a:p>
             <a:fld id="{AD077FC1-9A52-4CB1-9D5A-AD3BFF91C3D1}" type="datetimeFigureOut">
               <a:rPr lang="ko-KR" altLang="en-US" smtClean="0"/>
-              <a:t>2024-11-03</a:t>
+              <a:t>2024-11-05</a:t>
             </a:fld>
             <a:endParaRPr lang="ko-KR" altLang="en-US"/>
           </a:p>
@@ -2677,7 +2729,7 @@
           <a:p>
             <a:fld id="{AD077FC1-9A52-4CB1-9D5A-AD3BFF91C3D1}" type="datetimeFigureOut">
               <a:rPr lang="ko-KR" altLang="en-US" smtClean="0"/>
-              <a:t>2024-11-03</a:t>
+              <a:t>2024-11-05</a:t>
             </a:fld>
             <a:endParaRPr lang="ko-KR" altLang="en-US"/>
           </a:p>
@@ -2918,7 +2970,7 @@
           <a:p>
             <a:fld id="{AD077FC1-9A52-4CB1-9D5A-AD3BFF91C3D1}" type="datetimeFigureOut">
               <a:rPr lang="ko-KR" altLang="en-US" smtClean="0"/>
-              <a:t>2024-11-03</a:t>
+              <a:t>2024-11-05</a:t>
             </a:fld>
             <a:endParaRPr lang="ko-KR" altLang="en-US"/>
           </a:p>
@@ -3340,7 +3392,7 @@
           <p:cNvPr id="2" name="제목 1">
             <a:extLst>
               <a:ext uri="{FF2B5EF4-FFF2-40B4-BE49-F238E27FC236}">
-                <a16:creationId xmlns:a16="http://schemas.microsoft.com/office/drawing/2014/main" id="{4AA96CA4-71C3-4BC6-8D58-C2B258BEF236}"/>
+                <a16:creationId xmlns:a16="http://schemas.microsoft.com/office/drawing/2014/main" id="{18CDAF91-B89E-3B31-F67D-53EE4CD8FBAD}"/>
               </a:ext>
             </a:extLst>
           </p:cNvPr>
@@ -3351,32 +3403,44 @@
             <p:ph type="title"/>
           </p:nvPr>
         </p:nvSpPr>
-        <p:spPr>
-          <a:xfrm>
-            <a:off x="838200" y="2766218"/>
-            <a:ext cx="10515600" cy="1325563"/>
-          </a:xfrm>
-        </p:spPr>
+        <p:spPr/>
         <p:txBody>
           <a:bodyPr/>
           <a:lstStyle/>
           <a:p>
-            <a:pPr algn="ctr"/>
-            <a:r>
-              <a:rPr lang="ko-KR" altLang="en-US" dirty="0" err="1"/>
-              <a:t>링크드인</a:t>
-            </a:r>
-            <a:r>
-              <a:rPr lang="ko-KR" altLang="en-US" dirty="0"/>
-              <a:t> 데이터 예시</a:t>
-            </a:r>
+            <a:endParaRPr lang="ko-KR" altLang="en-US"/>
+          </a:p>
+        </p:txBody>
+      </p:sp>
+      <p:sp>
+        <p:nvSpPr>
+          <p:cNvPr id="3" name="내용 개체 틀 2">
+            <a:extLst>
+              <a:ext uri="{FF2B5EF4-FFF2-40B4-BE49-F238E27FC236}">
+                <a16:creationId xmlns:a16="http://schemas.microsoft.com/office/drawing/2014/main" id="{864B9061-B60C-253F-9946-66544BEE836B}"/>
+              </a:ext>
+            </a:extLst>
+          </p:cNvPr>
+          <p:cNvSpPr>
+            <a:spLocks noGrp="1"/>
+          </p:cNvSpPr>
+          <p:nvPr>
+            <p:ph idx="1"/>
+          </p:nvPr>
+        </p:nvSpPr>
+        <p:spPr/>
+        <p:txBody>
+          <a:bodyPr/>
+          <a:lstStyle/>
+          <a:p>
+            <a:endParaRPr lang="ko-KR" altLang="en-US"/>
           </a:p>
         </p:txBody>
       </p:sp>
     </p:spTree>
     <p:extLst>
       <p:ext uri="{BB962C8B-B14F-4D97-AF65-F5344CB8AC3E}">
-        <p14:creationId xmlns:p14="http://schemas.microsoft.com/office/powerpoint/2010/main" val="1038327471"/>
+        <p14:creationId xmlns:p14="http://schemas.microsoft.com/office/powerpoint/2010/main" val="712575640"/>
       </p:ext>
     </p:extLst>
   </p:cSld>
@@ -3408,7 +3472,7 @@
           <p:cNvPr id="2" name="제목 1">
             <a:extLst>
               <a:ext uri="{FF2B5EF4-FFF2-40B4-BE49-F238E27FC236}">
-                <a16:creationId xmlns:a16="http://schemas.microsoft.com/office/drawing/2014/main" id="{F063C9EA-92ED-49F0-BBC4-C2A8F2A6EFA3}"/>
+                <a16:creationId xmlns:a16="http://schemas.microsoft.com/office/drawing/2014/main" id="{883AF3AF-C5EF-413A-8FAE-7CEDAC2BDD8C}"/>
               </a:ext>
             </a:extLst>
           </p:cNvPr>
@@ -3419,142 +3483,28 @@
             <p:ph type="title"/>
           </p:nvPr>
         </p:nvSpPr>
-        <p:spPr/>
+        <p:spPr>
+          <a:xfrm>
+            <a:off x="838200" y="2766218"/>
+            <a:ext cx="10515600" cy="1325563"/>
+          </a:xfrm>
+        </p:spPr>
         <p:txBody>
           <a:bodyPr/>
           <a:lstStyle/>
           <a:p>
-            <a:endParaRPr lang="ko-KR" altLang="en-US"/>
-          </a:p>
-        </p:txBody>
-      </p:sp>
-      <p:sp>
-        <p:nvSpPr>
-          <p:cNvPr id="3" name="내용 개체 틀 2">
-            <a:extLst>
-              <a:ext uri="{FF2B5EF4-FFF2-40B4-BE49-F238E27FC236}">
-                <a16:creationId xmlns:a16="http://schemas.microsoft.com/office/drawing/2014/main" id="{DB3A82AF-500A-4001-9174-9EC2047A14B6}"/>
-              </a:ext>
-            </a:extLst>
-          </p:cNvPr>
-          <p:cNvSpPr>
-            <a:spLocks noGrp="1"/>
-          </p:cNvSpPr>
-          <p:nvPr>
-            <p:ph idx="1"/>
-          </p:nvPr>
-        </p:nvSpPr>
-        <p:spPr/>
-        <p:txBody>
-          <a:bodyPr/>
-          <a:lstStyle/>
-          <a:p>
-            <a:r>
-              <a:rPr lang="en-US" altLang="ko-KR" dirty="0"/>
-              <a:t>1.</a:t>
-            </a:r>
+            <a:pPr algn="ctr"/>
             <a:r>
               <a:rPr lang="ko-KR" altLang="en-US" dirty="0"/>
-              <a:t>대학교 저학년</a:t>
-            </a:r>
-          </a:p>
-          <a:p>
-            <a:r>
-              <a:rPr lang="ko-KR" altLang="en-US" dirty="0"/>
-              <a:t>영수 컴퓨터 공학과 </a:t>
-            </a:r>
-            <a:r>
-              <a:rPr lang="en-US" altLang="ko-KR" dirty="0"/>
-              <a:t>1</a:t>
-            </a:r>
-            <a:r>
-              <a:rPr lang="ko-KR" altLang="en-US" dirty="0"/>
-              <a:t>학년이지만</a:t>
-            </a:r>
-            <a:r>
-              <a:rPr lang="en-US" altLang="ko-KR" dirty="0"/>
-              <a:t>,</a:t>
-            </a:r>
-            <a:r>
-              <a:rPr lang="ko-KR" altLang="en-US" dirty="0"/>
-              <a:t>미디어 분야로의 취업하고 싶어합니다</a:t>
-            </a:r>
-            <a:r>
-              <a:rPr lang="en-US" altLang="ko-KR" dirty="0"/>
-              <a:t>. 3</a:t>
-            </a:r>
-            <a:r>
-              <a:rPr lang="ko-KR" altLang="en-US" dirty="0"/>
-              <a:t>학년 때 전과 예정이지만 현재 관련 활동에 대한 정보 부족으로 어떤 준비를 해야 할지 모릅니다</a:t>
-            </a:r>
-            <a:r>
-              <a:rPr lang="en-US" altLang="ko-KR" dirty="0"/>
-              <a:t>.</a:t>
-            </a:r>
-          </a:p>
-          <a:p>
-            <a:r>
-              <a:rPr lang="en-US" altLang="ko-KR" dirty="0"/>
-              <a:t>→</a:t>
-            </a:r>
-            <a:r>
-              <a:rPr lang="ko-KR" altLang="en-US" dirty="0"/>
-              <a:t>데이터베이스는 영수의 전공과 현재 학업 성적을 분석하여 미디어 분야에서 요구되는 필수 역량</a:t>
-            </a:r>
-            <a:r>
-              <a:rPr lang="en-US" altLang="ko-KR" dirty="0"/>
-              <a:t>(</a:t>
-            </a:r>
-            <a:r>
-              <a:rPr lang="ko-KR" altLang="en-US" dirty="0"/>
-              <a:t>예</a:t>
-            </a:r>
-            <a:r>
-              <a:rPr lang="en-US" altLang="ko-KR" dirty="0"/>
-              <a:t>: </a:t>
-            </a:r>
-            <a:r>
-              <a:rPr lang="ko-KR" altLang="en-US" dirty="0"/>
-              <a:t>영상 편집 기술</a:t>
-            </a:r>
-            <a:r>
-              <a:rPr lang="en-US" altLang="ko-KR" dirty="0"/>
-              <a:t>, </a:t>
-            </a:r>
-            <a:r>
-              <a:rPr lang="ko-KR" altLang="en-US" dirty="0"/>
-              <a:t>콘텐츠 제작 능력 등</a:t>
-            </a:r>
-            <a:r>
-              <a:rPr lang="en-US" altLang="ko-KR" dirty="0"/>
-              <a:t>)</a:t>
-            </a:r>
-            <a:r>
-              <a:rPr lang="ko-KR" altLang="en-US" dirty="0"/>
-              <a:t>을 파악하고</a:t>
-            </a:r>
-            <a:r>
-              <a:rPr lang="en-US" altLang="ko-KR" dirty="0"/>
-              <a:t>, </a:t>
-            </a:r>
-            <a:r>
-              <a:rPr lang="ko-KR" altLang="en-US" dirty="0"/>
-              <a:t>이 능력들을 강화할 수 있는 과목이나 외부 활동을 제안한다</a:t>
-            </a:r>
-            <a:r>
-              <a:rPr lang="en-US" altLang="ko-KR" dirty="0"/>
-              <a:t>.</a:t>
-            </a:r>
-          </a:p>
-          <a:p>
-            <a:endParaRPr lang="ko-KR" altLang="en-US" dirty="0"/>
+              <a:t>활용 시나리오</a:t>
+            </a:r>
           </a:p>
         </p:txBody>
       </p:sp>
     </p:spTree>
     <p:extLst>
       <p:ext uri="{BB962C8B-B14F-4D97-AF65-F5344CB8AC3E}">
-        <p14:creationId xmlns:p14="http://schemas.microsoft.com/office/powerpoint/2010/main" val="1174702457"/>
+        <p14:creationId xmlns:p14="http://schemas.microsoft.com/office/powerpoint/2010/main" val="1200278432"/>
       </p:ext>
     </p:extLst>
   </p:cSld>
@@ -3581,10 +3531,158 @@
           <a:chExt cx="0" cy="0"/>
         </a:xfrm>
       </p:grpSpPr>
+      <p:sp>
+        <p:nvSpPr>
+          <p:cNvPr id="2" name="제목 1">
+            <a:extLst>
+              <a:ext uri="{FF2B5EF4-FFF2-40B4-BE49-F238E27FC236}">
+                <a16:creationId xmlns:a16="http://schemas.microsoft.com/office/drawing/2014/main" id="{F063C9EA-92ED-49F0-BBC4-C2A8F2A6EFA3}"/>
+              </a:ext>
+            </a:extLst>
+          </p:cNvPr>
+          <p:cNvSpPr>
+            <a:spLocks noGrp="1"/>
+          </p:cNvSpPr>
+          <p:nvPr>
+            <p:ph type="title"/>
+          </p:nvPr>
+        </p:nvSpPr>
+        <p:spPr/>
+        <p:txBody>
+          <a:bodyPr/>
+          <a:lstStyle/>
+          <a:p>
+            <a:endParaRPr lang="ko-KR" altLang="en-US"/>
+          </a:p>
+        </p:txBody>
+      </p:sp>
+      <p:sp>
+        <p:nvSpPr>
+          <p:cNvPr id="3" name="내용 개체 틀 2">
+            <a:extLst>
+              <a:ext uri="{FF2B5EF4-FFF2-40B4-BE49-F238E27FC236}">
+                <a16:creationId xmlns:a16="http://schemas.microsoft.com/office/drawing/2014/main" id="{DB3A82AF-500A-4001-9174-9EC2047A14B6}"/>
+              </a:ext>
+            </a:extLst>
+          </p:cNvPr>
+          <p:cNvSpPr>
+            <a:spLocks noGrp="1"/>
+          </p:cNvSpPr>
+          <p:nvPr>
+            <p:ph idx="1"/>
+          </p:nvPr>
+        </p:nvSpPr>
+        <p:spPr/>
+        <p:txBody>
+          <a:bodyPr/>
+          <a:lstStyle/>
+          <a:p>
+            <a:r>
+              <a:rPr lang="en-US" altLang="ko-KR" dirty="0"/>
+              <a:t>1.</a:t>
+            </a:r>
+            <a:r>
+              <a:rPr lang="ko-KR" altLang="en-US" dirty="0"/>
+              <a:t>대학교 저학년</a:t>
+            </a:r>
+          </a:p>
+          <a:p>
+            <a:r>
+              <a:rPr lang="ko-KR" altLang="en-US" dirty="0"/>
+              <a:t>영수 컴퓨터 공학과 </a:t>
+            </a:r>
+            <a:r>
+              <a:rPr lang="en-US" altLang="ko-KR" dirty="0"/>
+              <a:t>1</a:t>
+            </a:r>
+            <a:r>
+              <a:rPr lang="ko-KR" altLang="en-US" dirty="0"/>
+              <a:t>학년이지만</a:t>
+            </a:r>
+            <a:r>
+              <a:rPr lang="en-US" altLang="ko-KR" dirty="0"/>
+              <a:t>,</a:t>
+            </a:r>
+            <a:r>
+              <a:rPr lang="ko-KR" altLang="en-US" dirty="0"/>
+              <a:t>미디어 분야로의 취업하고 싶어합니다</a:t>
+            </a:r>
+            <a:r>
+              <a:rPr lang="en-US" altLang="ko-KR" dirty="0"/>
+              <a:t>. 3</a:t>
+            </a:r>
+            <a:r>
+              <a:rPr lang="ko-KR" altLang="en-US" dirty="0"/>
+              <a:t>학년 때 전과 예정이지만 현재 관련 활동에 대한 정보 부족으로 어떤 준비를 해야 할지 모릅니다</a:t>
+            </a:r>
+            <a:r>
+              <a:rPr lang="en-US" altLang="ko-KR" dirty="0"/>
+              <a:t>.</a:t>
+            </a:r>
+          </a:p>
+          <a:p>
+            <a:r>
+              <a:rPr lang="en-US" altLang="ko-KR" dirty="0"/>
+              <a:t>→</a:t>
+            </a:r>
+            <a:r>
+              <a:rPr lang="ko-KR" altLang="en-US" dirty="0"/>
+              <a:t>데이터베이스는 영수의 전공과 현재 학업 성적을 분석하여 미디어 분야에서 요구되는 필수 역량</a:t>
+            </a:r>
+            <a:r>
+              <a:rPr lang="en-US" altLang="ko-KR" dirty="0"/>
+              <a:t>(</a:t>
+            </a:r>
+            <a:r>
+              <a:rPr lang="ko-KR" altLang="en-US" dirty="0"/>
+              <a:t>예</a:t>
+            </a:r>
+            <a:r>
+              <a:rPr lang="en-US" altLang="ko-KR" dirty="0"/>
+              <a:t>: </a:t>
+            </a:r>
+            <a:r>
+              <a:rPr lang="ko-KR" altLang="en-US" dirty="0"/>
+              <a:t>영상 편집 기술</a:t>
+            </a:r>
+            <a:r>
+              <a:rPr lang="en-US" altLang="ko-KR" dirty="0"/>
+              <a:t>, </a:t>
+            </a:r>
+            <a:r>
+              <a:rPr lang="ko-KR" altLang="en-US" dirty="0"/>
+              <a:t>콘텐츠 제작 능력 등</a:t>
+            </a:r>
+            <a:r>
+              <a:rPr lang="en-US" altLang="ko-KR" dirty="0"/>
+              <a:t>)</a:t>
+            </a:r>
+            <a:r>
+              <a:rPr lang="ko-KR" altLang="en-US" dirty="0"/>
+              <a:t>을 파악하고</a:t>
+            </a:r>
+            <a:r>
+              <a:rPr lang="en-US" altLang="ko-KR" dirty="0"/>
+              <a:t>, </a:t>
+            </a:r>
+            <a:r>
+              <a:rPr lang="ko-KR" altLang="en-US" dirty="0"/>
+              <a:t>이 능력들을 강화할 수 있는 과목이나 외부 활동을 제안한다</a:t>
+            </a:r>
+            <a:r>
+              <a:rPr lang="en-US" altLang="ko-KR" dirty="0"/>
+              <a:t>.</a:t>
+            </a:r>
+          </a:p>
+          <a:p>
+            <a:endParaRPr lang="ko-KR" altLang="en-US" dirty="0"/>
+          </a:p>
+        </p:txBody>
+      </p:sp>
     </p:spTree>
     <p:extLst>
       <p:ext uri="{BB962C8B-B14F-4D97-AF65-F5344CB8AC3E}">
-        <p14:creationId xmlns:p14="http://schemas.microsoft.com/office/powerpoint/2010/main" val="3786713388"/>
+        <p14:creationId xmlns:p14="http://schemas.microsoft.com/office/powerpoint/2010/main" val="1174702457"/>
       </p:ext>
     </p:extLst>
   </p:cSld>
@@ -3777,10 +3875,183 @@
           <a:chExt cx="0" cy="0"/>
         </a:xfrm>
       </p:grpSpPr>
+      <p:sp>
+        <p:nvSpPr>
+          <p:cNvPr id="2" name="제목 1">
+            <a:extLst>
+              <a:ext uri="{FF2B5EF4-FFF2-40B4-BE49-F238E27FC236}">
+                <a16:creationId xmlns:a16="http://schemas.microsoft.com/office/drawing/2014/main" id="{ACDE0CB4-CC01-42D3-8950-B7E697385C02}"/>
+              </a:ext>
+            </a:extLst>
+          </p:cNvPr>
+          <p:cNvSpPr>
+            <a:spLocks noGrp="1"/>
+          </p:cNvSpPr>
+          <p:nvPr>
+            <p:ph type="title"/>
+          </p:nvPr>
+        </p:nvSpPr>
+        <p:spPr/>
+        <p:txBody>
+          <a:bodyPr/>
+          <a:lstStyle/>
+          <a:p>
+            <a:endParaRPr lang="ko-KR" altLang="en-US"/>
+          </a:p>
+        </p:txBody>
+      </p:sp>
+      <p:sp>
+        <p:nvSpPr>
+          <p:cNvPr id="3" name="내용 개체 틀 2">
+            <a:extLst>
+              <a:ext uri="{FF2B5EF4-FFF2-40B4-BE49-F238E27FC236}">
+                <a16:creationId xmlns:a16="http://schemas.microsoft.com/office/drawing/2014/main" id="{BE038CAF-EB02-46B8-8D1D-9CD01B5DA006}"/>
+              </a:ext>
+            </a:extLst>
+          </p:cNvPr>
+          <p:cNvSpPr>
+            <a:spLocks noGrp="1"/>
+          </p:cNvSpPr>
+          <p:nvPr>
+            <p:ph idx="1"/>
+          </p:nvPr>
+        </p:nvSpPr>
+        <p:spPr/>
+        <p:txBody>
+          <a:bodyPr/>
+          <a:lstStyle/>
+          <a:p>
+            <a:pPr marL="0" indent="0">
+              <a:buNone/>
+            </a:pPr>
+            <a:r>
+              <a:rPr lang="en-US" altLang="ko-KR" dirty="0"/>
+              <a:t>3.</a:t>
+            </a:r>
+            <a:r>
+              <a:rPr lang="ko-KR" altLang="en-US" dirty="0"/>
+              <a:t>중</a:t>
+            </a:r>
+            <a:r>
+              <a:rPr lang="en-US" altLang="ko-KR" dirty="0"/>
+              <a:t>,</a:t>
+            </a:r>
+            <a:r>
+              <a:rPr lang="ko-KR" altLang="en-US" dirty="0"/>
+              <a:t>고등학생</a:t>
+            </a:r>
+          </a:p>
+          <a:p>
+            <a:pPr marL="0" indent="0">
+              <a:buNone/>
+            </a:pPr>
+            <a:r>
+              <a:rPr lang="ko-KR" altLang="en-US" dirty="0"/>
+              <a:t>고등학교 </a:t>
+            </a:r>
+            <a:r>
+              <a:rPr lang="en-US" altLang="ko-KR" dirty="0"/>
+              <a:t>2</a:t>
+            </a:r>
+            <a:r>
+              <a:rPr lang="ko-KR" altLang="en-US" dirty="0"/>
+              <a:t>학년인 예지는 대학 진로 준비에 대한 압박을 느끼고 있습니다</a:t>
+            </a:r>
+            <a:r>
+              <a:rPr lang="en-US" altLang="ko-KR" dirty="0"/>
+              <a:t>. </a:t>
+            </a:r>
+            <a:r>
+              <a:rPr lang="ko-KR" altLang="en-US" dirty="0"/>
+              <a:t>여러 친구들이 진로에 대한 목표를 세우고 활동을 하고 있는 반면</a:t>
+            </a:r>
+            <a:r>
+              <a:rPr lang="en-US" altLang="ko-KR" dirty="0"/>
+              <a:t>, </a:t>
+            </a:r>
+            <a:r>
+              <a:rPr lang="ko-KR" altLang="en-US" dirty="0"/>
+              <a:t>예지는 특별히 하고 싶은 것도</a:t>
+            </a:r>
+            <a:r>
+              <a:rPr lang="en-US" altLang="ko-KR" dirty="0"/>
+              <a:t>, </a:t>
+            </a:r>
+            <a:r>
+              <a:rPr lang="ko-KR" altLang="en-US" dirty="0"/>
+              <a:t>진로에 대한 확신도 없는 상태입니다</a:t>
+            </a:r>
+            <a:r>
+              <a:rPr lang="en-US" altLang="ko-KR" dirty="0"/>
+              <a:t>. </a:t>
+            </a:r>
+            <a:r>
+              <a:rPr lang="ko-KR" altLang="en-US" dirty="0"/>
+              <a:t>그녀는 광고와 뷰티 분야에 흥미가 있지만</a:t>
+            </a:r>
+            <a:r>
+              <a:rPr lang="en-US" altLang="ko-KR" dirty="0"/>
+              <a:t>, </a:t>
+            </a:r>
+            <a:r>
+              <a:rPr lang="ko-KR" altLang="en-US" dirty="0"/>
+              <a:t>어떤 활동이 생활기록부에 도움이 될지 몰라 막막해하고 있습니다</a:t>
+            </a:r>
+            <a:r>
+              <a:rPr lang="en-US" altLang="ko-KR" dirty="0"/>
+              <a:t>.</a:t>
+            </a:r>
+          </a:p>
+          <a:p>
+            <a:pPr marL="0" indent="0">
+              <a:buNone/>
+            </a:pPr>
+            <a:r>
+              <a:rPr lang="en-US" altLang="ko-KR" dirty="0"/>
+              <a:t>→</a:t>
+            </a:r>
+            <a:r>
+              <a:rPr lang="ko-KR" altLang="en-US" dirty="0"/>
+              <a:t>데이터베이스는 대외활동 공모전과 같은 항목들을 교내 대회</a:t>
+            </a:r>
+            <a:r>
+              <a:rPr lang="en-US" altLang="ko-KR" dirty="0"/>
+              <a:t>,</a:t>
+            </a:r>
+            <a:r>
+              <a:rPr lang="ko-KR" altLang="en-US" dirty="0"/>
+              <a:t>관련 </a:t>
+            </a:r>
+            <a:r>
+              <a:rPr lang="ko-KR" altLang="en-US" dirty="0" err="1"/>
+              <a:t>박람회등으로</a:t>
+            </a:r>
+            <a:r>
+              <a:rPr lang="ko-KR" altLang="en-US" dirty="0"/>
+              <a:t> 변경할 수 있으며</a:t>
+            </a:r>
+            <a:r>
+              <a:rPr lang="en-US" altLang="ko-KR" dirty="0"/>
+              <a:t>, </a:t>
+            </a:r>
+            <a:r>
+              <a:rPr lang="ko-KR" altLang="en-US" dirty="0"/>
+              <a:t>관련된 진로 체험 활동과 학교 교내 대회를 추천하여 예지가 자신의 관심 분야에서 경험을 쌓을 수 있도록 돕는다</a:t>
+            </a:r>
+            <a:r>
+              <a:rPr lang="en-US" altLang="ko-KR" dirty="0"/>
+              <a:t>.</a:t>
+            </a:r>
+          </a:p>
+          <a:p>
+            <a:endParaRPr lang="ko-KR" altLang="en-US" dirty="0"/>
+          </a:p>
+        </p:txBody>
+      </p:sp>
     </p:spTree>
     <p:extLst>
       <p:ext uri="{BB962C8B-B14F-4D97-AF65-F5344CB8AC3E}">
-        <p14:creationId xmlns:p14="http://schemas.microsoft.com/office/powerpoint/2010/main" val="2553193714"/>
+        <p14:creationId xmlns:p14="http://schemas.microsoft.com/office/powerpoint/2010/main" val="2179533991"/>
       </p:ext>
     </p:extLst>
   </p:cSld>
@@ -3790,7 +4061,7 @@
 </p:sld>
 </file>
 
-<file path=ppt/slides/slide14.xml><?xml version="1.0" encoding="utf-8"?>
+<file path=ppt/slides/slide2.xml><?xml version="1.0" encoding="utf-8"?>
 <p:sld xmlns:a="http://schemas.openxmlformats.org/drawingml/2006/main" xmlns:r="http://schemas.openxmlformats.org/officeDocument/2006/relationships" xmlns:p="http://schemas.openxmlformats.org/presentationml/2006/main">
   <p:cSld>
     <p:spTree>
@@ -3812,7 +4083,7 @@
           <p:cNvPr id="2" name="제목 1">
             <a:extLst>
               <a:ext uri="{FF2B5EF4-FFF2-40B4-BE49-F238E27FC236}">
-                <a16:creationId xmlns:a16="http://schemas.microsoft.com/office/drawing/2014/main" id="{ACDE0CB4-CC01-42D3-8950-B7E697385C02}"/>
+                <a16:creationId xmlns:a16="http://schemas.microsoft.com/office/drawing/2014/main" id="{4AA96CA4-71C3-4BC6-8D58-C2B258BEF236}"/>
               </a:ext>
             </a:extLst>
           </p:cNvPr>
@@ -3823,167 +4094,32 @@
             <p:ph type="title"/>
           </p:nvPr>
         </p:nvSpPr>
-        <p:spPr/>
+        <p:spPr>
+          <a:xfrm>
+            <a:off x="838200" y="2766218"/>
+            <a:ext cx="10515600" cy="1325563"/>
+          </a:xfrm>
+        </p:spPr>
         <p:txBody>
           <a:bodyPr/>
           <a:lstStyle/>
           <a:p>
-            <a:endParaRPr lang="ko-KR" altLang="en-US"/>
-          </a:p>
-        </p:txBody>
-      </p:sp>
-      <p:sp>
-        <p:nvSpPr>
-          <p:cNvPr id="3" name="내용 개체 틀 2">
-            <a:extLst>
-              <a:ext uri="{FF2B5EF4-FFF2-40B4-BE49-F238E27FC236}">
-                <a16:creationId xmlns:a16="http://schemas.microsoft.com/office/drawing/2014/main" id="{BE038CAF-EB02-46B8-8D1D-9CD01B5DA006}"/>
-              </a:ext>
-            </a:extLst>
-          </p:cNvPr>
-          <p:cNvSpPr>
-            <a:spLocks noGrp="1"/>
-          </p:cNvSpPr>
-          <p:nvPr>
-            <p:ph idx="1"/>
-          </p:nvPr>
-        </p:nvSpPr>
-        <p:spPr/>
-        <p:txBody>
-          <a:bodyPr/>
-          <a:lstStyle/>
-          <a:p>
-            <a:pPr marL="0" indent="0">
-              <a:buNone/>
-            </a:pPr>
-            <a:r>
-              <a:rPr lang="en-US" altLang="ko-KR" dirty="0"/>
-              <a:t>3.</a:t>
+            <a:pPr algn="ctr"/>
+            <a:r>
+              <a:rPr lang="ko-KR" altLang="en-US" dirty="0" err="1"/>
+              <a:t>링크드인</a:t>
             </a:r>
             <a:r>
               <a:rPr lang="ko-KR" altLang="en-US" dirty="0"/>
-              <a:t>중</a:t>
-            </a:r>
-            <a:r>
-              <a:rPr lang="en-US" altLang="ko-KR" dirty="0"/>
-              <a:t>,</a:t>
-            </a:r>
-            <a:r>
-              <a:rPr lang="ko-KR" altLang="en-US" dirty="0"/>
-              <a:t>고등학생</a:t>
-            </a:r>
-          </a:p>
-          <a:p>
-            <a:pPr marL="0" indent="0">
-              <a:buNone/>
-            </a:pPr>
-            <a:r>
-              <a:rPr lang="ko-KR" altLang="en-US" dirty="0"/>
-              <a:t>고등학교 </a:t>
-            </a:r>
-            <a:r>
-              <a:rPr lang="en-US" altLang="ko-KR" dirty="0"/>
-              <a:t>2</a:t>
-            </a:r>
-            <a:r>
-              <a:rPr lang="ko-KR" altLang="en-US" dirty="0"/>
-              <a:t>학년인 예지는 대학 진로 준비에 대한 압박을 느끼고 있습니다</a:t>
-            </a:r>
-            <a:r>
-              <a:rPr lang="en-US" altLang="ko-KR" dirty="0"/>
-              <a:t>. </a:t>
-            </a:r>
-            <a:r>
-              <a:rPr lang="ko-KR" altLang="en-US" dirty="0"/>
-              <a:t>여러 친구들이 진로에 대한 목표를 세우고 활동을 하고 있는 반면</a:t>
-            </a:r>
-            <a:r>
-              <a:rPr lang="en-US" altLang="ko-KR" dirty="0"/>
-              <a:t>, </a:t>
-            </a:r>
-            <a:r>
-              <a:rPr lang="ko-KR" altLang="en-US" dirty="0"/>
-              <a:t>예지는 특별히 하고 싶은 것도</a:t>
-            </a:r>
-            <a:r>
-              <a:rPr lang="en-US" altLang="ko-KR" dirty="0"/>
-              <a:t>, </a:t>
-            </a:r>
-            <a:r>
-              <a:rPr lang="ko-KR" altLang="en-US" dirty="0"/>
-              <a:t>진로에 대한 확신도 없는 상태입니다</a:t>
-            </a:r>
-            <a:r>
-              <a:rPr lang="en-US" altLang="ko-KR" dirty="0"/>
-              <a:t>. </a:t>
-            </a:r>
-            <a:r>
-              <a:rPr lang="ko-KR" altLang="en-US" dirty="0"/>
-              <a:t>그녀는 광고와 뷰티 분야에 흥미가 있지만</a:t>
-            </a:r>
-            <a:r>
-              <a:rPr lang="en-US" altLang="ko-KR" dirty="0"/>
-              <a:t>, </a:t>
-            </a:r>
-            <a:r>
-              <a:rPr lang="ko-KR" altLang="en-US" dirty="0"/>
-              <a:t>어떤 활동이 생활기록부에 도움이 될지 몰라 막막해하고 있습니다</a:t>
-            </a:r>
-            <a:r>
-              <a:rPr lang="en-US" altLang="ko-KR" dirty="0"/>
-              <a:t>.</a:t>
-            </a:r>
-          </a:p>
-          <a:p>
-            <a:pPr marL="0" indent="0">
-              <a:buNone/>
-            </a:pPr>
-            <a:r>
-              <a:rPr lang="en-US" altLang="ko-KR" dirty="0"/>
-              <a:t>→</a:t>
-            </a:r>
-            <a:r>
-              <a:rPr lang="ko-KR" altLang="en-US" dirty="0"/>
-              <a:t>데이터베이스는 대외활동 공모전과 같은 항목들을 교내 대회</a:t>
-            </a:r>
-            <a:r>
-              <a:rPr lang="en-US" altLang="ko-KR" dirty="0"/>
-              <a:t>,</a:t>
-            </a:r>
-            <a:r>
-              <a:rPr lang="ko-KR" altLang="en-US" dirty="0"/>
-              <a:t>관련 </a:t>
-            </a:r>
-            <a:r>
-              <a:rPr lang="ko-KR" altLang="en-US" dirty="0" err="1"/>
-              <a:t>박람회등으로</a:t>
-            </a:r>
-            <a:r>
-              <a:rPr lang="ko-KR" altLang="en-US" dirty="0"/>
-              <a:t> 변경할 수 있으며</a:t>
-            </a:r>
-            <a:r>
-              <a:rPr lang="en-US" altLang="ko-KR" dirty="0"/>
-              <a:t>, </a:t>
-            </a:r>
-            <a:r>
-              <a:rPr lang="ko-KR" altLang="en-US" dirty="0"/>
-              <a:t>관련된 진로 체험 활동과 학교 교내 대회를 추천하여 예지가 자신의 관심 분야에서 경험을 쌓을 수 있도록 돕는다</a:t>
-            </a:r>
-            <a:r>
-              <a:rPr lang="en-US" altLang="ko-KR" dirty="0"/>
-              <a:t>.</a:t>
-            </a:r>
-          </a:p>
-          <a:p>
-            <a:endParaRPr lang="ko-KR" altLang="en-US" dirty="0"/>
+              <a:t> 데이터 예시</a:t>
+            </a:r>
           </a:p>
         </p:txBody>
       </p:sp>
     </p:spTree>
     <p:extLst>
       <p:ext uri="{BB962C8B-B14F-4D97-AF65-F5344CB8AC3E}">
-        <p14:creationId xmlns:p14="http://schemas.microsoft.com/office/powerpoint/2010/main" val="2179533991"/>
+        <p14:creationId xmlns:p14="http://schemas.microsoft.com/office/powerpoint/2010/main" val="1038327471"/>
       </p:ext>
     </p:extLst>
   </p:cSld>
@@ -3993,37 +4129,7 @@
 </p:sld>
 </file>
 
-<file path=ppt/slides/slide15.xml><?xml version="1.0" encoding="utf-8"?>
-<p:sld xmlns:a="http://schemas.openxmlformats.org/drawingml/2006/main" xmlns:r="http://schemas.openxmlformats.org/officeDocument/2006/relationships" xmlns:p="http://schemas.openxmlformats.org/presentationml/2006/main">
-  <p:cSld>
-    <p:spTree>
-      <p:nvGrpSpPr>
-        <p:cNvPr id="1" name=""/>
-        <p:cNvGrpSpPr/>
-        <p:nvPr/>
-      </p:nvGrpSpPr>
-      <p:grpSpPr>
-        <a:xfrm>
-          <a:off x="0" y="0"/>
-          <a:ext cx="0" cy="0"/>
-          <a:chOff x="0" y="0"/>
-          <a:chExt cx="0" cy="0"/>
-        </a:xfrm>
-      </p:grpSpPr>
-    </p:spTree>
-    <p:extLst>
-      <p:ext uri="{BB962C8B-B14F-4D97-AF65-F5344CB8AC3E}">
-        <p14:creationId xmlns:p14="http://schemas.microsoft.com/office/powerpoint/2010/main" val="1845813708"/>
-      </p:ext>
-    </p:extLst>
-  </p:cSld>
-  <p:clrMapOvr>
-    <a:masterClrMapping/>
-  </p:clrMapOvr>
-</p:sld>
-</file>
-
-<file path=ppt/slides/slide2.xml><?xml version="1.0" encoding="utf-8"?>
+<file path=ppt/slides/slide3.xml><?xml version="1.0" encoding="utf-8"?>
 <p:sld xmlns:a="http://schemas.openxmlformats.org/drawingml/2006/main" xmlns:r="http://schemas.openxmlformats.org/officeDocument/2006/relationships" xmlns:p="http://schemas.openxmlformats.org/presentationml/2006/main">
   <p:cSld>
     <p:spTree>
@@ -5911,7 +6017,7 @@
 </p:sld>
 </file>
 
-<file path=ppt/slides/slide3.xml><?xml version="1.0" encoding="utf-8"?>
+<file path=ppt/slides/slide4.xml><?xml version="1.0" encoding="utf-8"?>
 <p:sld xmlns:a="http://schemas.openxmlformats.org/drawingml/2006/main" xmlns:r="http://schemas.openxmlformats.org/officeDocument/2006/relationships" xmlns:p="http://schemas.openxmlformats.org/presentationml/2006/main">
   <p:cSld>
     <p:spTree>
@@ -6991,73 +7097,6 @@
     <p:extLst>
       <p:ext uri="{BB962C8B-B14F-4D97-AF65-F5344CB8AC3E}">
         <p14:creationId xmlns:p14="http://schemas.microsoft.com/office/powerpoint/2010/main" val="1439150440"/>
-      </p:ext>
-    </p:extLst>
-  </p:cSld>
-  <p:clrMapOvr>
-    <a:masterClrMapping/>
-  </p:clrMapOvr>
-</p:sld>
-</file>
-
-<file path=ppt/slides/slide4.xml><?xml version="1.0" encoding="utf-8"?>
-<p:sld xmlns:a="http://schemas.openxmlformats.org/drawingml/2006/main" xmlns:r="http://schemas.openxmlformats.org/officeDocument/2006/relationships" xmlns:p="http://schemas.openxmlformats.org/presentationml/2006/main">
-  <p:cSld>
-    <p:spTree>
-      <p:nvGrpSpPr>
-        <p:cNvPr id="1" name=""/>
-        <p:cNvGrpSpPr/>
-        <p:nvPr/>
-      </p:nvGrpSpPr>
-      <p:grpSpPr>
-        <a:xfrm>
-          <a:off x="0" y="0"/>
-          <a:ext cx="0" cy="0"/>
-          <a:chOff x="0" y="0"/>
-          <a:chExt cx="0" cy="0"/>
-        </a:xfrm>
-      </p:grpSpPr>
-      <p:sp>
-        <p:nvSpPr>
-          <p:cNvPr id="2" name="제목 1">
-            <a:extLst>
-              <a:ext uri="{FF2B5EF4-FFF2-40B4-BE49-F238E27FC236}">
-                <a16:creationId xmlns:a16="http://schemas.microsoft.com/office/drawing/2014/main" id="{2EFA3D24-C14D-49EF-AB4F-77CDBA0707E7}"/>
-              </a:ext>
-            </a:extLst>
-          </p:cNvPr>
-          <p:cNvSpPr>
-            <a:spLocks noGrp="1"/>
-          </p:cNvSpPr>
-          <p:nvPr>
-            <p:ph type="title"/>
-          </p:nvPr>
-        </p:nvSpPr>
-        <p:spPr>
-          <a:xfrm>
-            <a:off x="2595813" y="2766218"/>
-            <a:ext cx="7000374" cy="1325563"/>
-          </a:xfrm>
-        </p:spPr>
-        <p:txBody>
-          <a:bodyPr/>
-          <a:lstStyle/>
-          <a:p>
-            <a:r>
-              <a:rPr lang="ko-KR" altLang="en-US" dirty="0" err="1"/>
-              <a:t>링커리어</a:t>
-            </a:r>
-            <a:r>
-              <a:rPr lang="ko-KR" altLang="en-US" dirty="0"/>
-              <a:t> 데이터 예시</a:t>
-            </a:r>
-          </a:p>
-        </p:txBody>
-      </p:sp>
-    </p:spTree>
-    <p:extLst>
-      <p:ext uri="{BB962C8B-B14F-4D97-AF65-F5344CB8AC3E}">
-        <p14:creationId xmlns:p14="http://schemas.microsoft.com/office/powerpoint/2010/main" val="2370855995"/>
       </p:ext>
     </p:extLst>
   </p:cSld>
@@ -7084,554 +7123,47 @@
           <a:chExt cx="0" cy="0"/>
         </a:xfrm>
       </p:grpSpPr>
-      <p:pic>
-        <p:nvPicPr>
-          <p:cNvPr id="7" name="그림 6">
-            <a:extLst>
-              <a:ext uri="{FF2B5EF4-FFF2-40B4-BE49-F238E27FC236}">
-                <a16:creationId xmlns:a16="http://schemas.microsoft.com/office/drawing/2014/main" id="{060C792B-9E8D-45E9-9DE4-43304C92E2D6}"/>
-              </a:ext>
-            </a:extLst>
-          </p:cNvPr>
-          <p:cNvPicPr>
-            <a:picLocks noChangeAspect="1"/>
-          </p:cNvPicPr>
-          <p:nvPr/>
-        </p:nvPicPr>
-        <p:blipFill>
-          <a:blip r:embed="rId2"/>
-          <a:stretch>
-            <a:fillRect/>
-          </a:stretch>
-        </p:blipFill>
-        <p:spPr>
-          <a:xfrm>
-            <a:off x="0" y="89234"/>
-            <a:ext cx="9060694" cy="6648450"/>
-          </a:xfrm>
-          <a:prstGeom prst="rect">
-            <a:avLst/>
-          </a:prstGeom>
-        </p:spPr>
-      </p:pic>
-      <p:cxnSp>
-        <p:nvCxnSpPr>
-          <p:cNvPr id="8" name="직선 연결선 7">
-            <a:extLst>
-              <a:ext uri="{FF2B5EF4-FFF2-40B4-BE49-F238E27FC236}">
-                <a16:creationId xmlns:a16="http://schemas.microsoft.com/office/drawing/2014/main" id="{37446249-649F-4AF5-8460-6D7B13EF4E4B}"/>
-              </a:ext>
-            </a:extLst>
-          </p:cNvPr>
-          <p:cNvCxnSpPr>
-            <a:cxnSpLocks/>
-          </p:cNvCxnSpPr>
-          <p:nvPr/>
-        </p:nvCxnSpPr>
-        <p:spPr>
-          <a:xfrm>
-            <a:off x="612523" y="929941"/>
-            <a:ext cx="4352509" cy="0"/>
-          </a:xfrm>
-          <a:prstGeom prst="line">
-            <a:avLst/>
-          </a:prstGeom>
-          <a:ln>
-            <a:solidFill>
-              <a:srgbClr val="FF0000"/>
-            </a:solidFill>
-          </a:ln>
-        </p:spPr>
-        <p:style>
-          <a:lnRef idx="3">
-            <a:schemeClr val="dk1"/>
-          </a:lnRef>
-          <a:fillRef idx="0">
-            <a:schemeClr val="dk1"/>
-          </a:fillRef>
-          <a:effectRef idx="2">
-            <a:schemeClr val="dk1"/>
-          </a:effectRef>
-          <a:fontRef idx="minor">
-            <a:schemeClr val="tx1"/>
-          </a:fontRef>
-        </p:style>
-      </p:cxnSp>
-      <p:cxnSp>
-        <p:nvCxnSpPr>
-          <p:cNvPr id="10" name="직선 연결선 9">
-            <a:extLst>
-              <a:ext uri="{FF2B5EF4-FFF2-40B4-BE49-F238E27FC236}">
-                <a16:creationId xmlns:a16="http://schemas.microsoft.com/office/drawing/2014/main" id="{87DAE5C5-3033-4F4A-845D-6D94C9561F19}"/>
-              </a:ext>
-            </a:extLst>
-          </p:cNvPr>
-          <p:cNvCxnSpPr>
-            <a:cxnSpLocks/>
-          </p:cNvCxnSpPr>
-          <p:nvPr/>
-        </p:nvCxnSpPr>
-        <p:spPr>
-          <a:xfrm>
-            <a:off x="3307597" y="1595688"/>
-            <a:ext cx="1472950" cy="0"/>
-          </a:xfrm>
-          <a:prstGeom prst="line">
-            <a:avLst/>
-          </a:prstGeom>
-          <a:ln>
-            <a:solidFill>
-              <a:srgbClr val="FF0000"/>
-            </a:solidFill>
-          </a:ln>
-        </p:spPr>
-        <p:style>
-          <a:lnRef idx="3">
-            <a:schemeClr val="dk1"/>
-          </a:lnRef>
-          <a:fillRef idx="0">
-            <a:schemeClr val="dk1"/>
-          </a:fillRef>
-          <a:effectRef idx="2">
-            <a:schemeClr val="dk1"/>
-          </a:effectRef>
-          <a:fontRef idx="minor">
-            <a:schemeClr val="tx1"/>
-          </a:fontRef>
-        </p:style>
-      </p:cxnSp>
-      <p:cxnSp>
-        <p:nvCxnSpPr>
-          <p:cNvPr id="12" name="직선 연결선 11">
-            <a:extLst>
-              <a:ext uri="{FF2B5EF4-FFF2-40B4-BE49-F238E27FC236}">
-                <a16:creationId xmlns:a16="http://schemas.microsoft.com/office/drawing/2014/main" id="{E0BA498C-71BB-4772-AD12-281359902151}"/>
-              </a:ext>
-            </a:extLst>
-          </p:cNvPr>
-          <p:cNvCxnSpPr>
-            <a:cxnSpLocks/>
-          </p:cNvCxnSpPr>
-          <p:nvPr/>
-        </p:nvCxnSpPr>
-        <p:spPr>
-          <a:xfrm>
-            <a:off x="6010692" y="2237372"/>
-            <a:ext cx="1697540" cy="0"/>
-          </a:xfrm>
-          <a:prstGeom prst="line">
-            <a:avLst/>
-          </a:prstGeom>
-          <a:ln>
-            <a:solidFill>
-              <a:srgbClr val="FF0000"/>
-            </a:solidFill>
-          </a:ln>
-        </p:spPr>
-        <p:style>
-          <a:lnRef idx="3">
-            <a:schemeClr val="dk1"/>
-          </a:lnRef>
-          <a:fillRef idx="0">
-            <a:schemeClr val="dk1"/>
-          </a:fillRef>
-          <a:effectRef idx="2">
-            <a:schemeClr val="dk1"/>
-          </a:effectRef>
-          <a:fontRef idx="minor">
-            <a:schemeClr val="tx1"/>
-          </a:fontRef>
-        </p:style>
-      </p:cxnSp>
-      <p:cxnSp>
-        <p:nvCxnSpPr>
-          <p:cNvPr id="14" name="직선 연결선 13">
-            <a:extLst>
-              <a:ext uri="{FF2B5EF4-FFF2-40B4-BE49-F238E27FC236}">
-                <a16:creationId xmlns:a16="http://schemas.microsoft.com/office/drawing/2014/main" id="{AF83AFE3-8AE4-4259-A10C-6EB78A2C896A}"/>
-              </a:ext>
-            </a:extLst>
-          </p:cNvPr>
-          <p:cNvCxnSpPr>
-            <a:cxnSpLocks/>
-          </p:cNvCxnSpPr>
-          <p:nvPr/>
-        </p:nvCxnSpPr>
-        <p:spPr>
-          <a:xfrm>
-            <a:off x="6010692" y="2670509"/>
-            <a:ext cx="2098592" cy="0"/>
-          </a:xfrm>
-          <a:prstGeom prst="line">
-            <a:avLst/>
-          </a:prstGeom>
-          <a:ln>
-            <a:solidFill>
-              <a:srgbClr val="FF0000"/>
-            </a:solidFill>
-          </a:ln>
-        </p:spPr>
-        <p:style>
-          <a:lnRef idx="3">
-            <a:schemeClr val="dk1"/>
-          </a:lnRef>
-          <a:fillRef idx="0">
-            <a:schemeClr val="dk1"/>
-          </a:fillRef>
-          <a:effectRef idx="2">
-            <a:schemeClr val="dk1"/>
-          </a:effectRef>
-          <a:fontRef idx="minor">
-            <a:schemeClr val="tx1"/>
-          </a:fontRef>
-        </p:style>
-      </p:cxnSp>
-      <p:cxnSp>
-        <p:nvCxnSpPr>
-          <p:cNvPr id="16" name="직선 연결선 15">
-            <a:extLst>
-              <a:ext uri="{FF2B5EF4-FFF2-40B4-BE49-F238E27FC236}">
-                <a16:creationId xmlns:a16="http://schemas.microsoft.com/office/drawing/2014/main" id="{0E069A78-96B2-4DC3-84B4-1664B665F75A}"/>
-              </a:ext>
-            </a:extLst>
-          </p:cNvPr>
-          <p:cNvCxnSpPr>
-            <a:cxnSpLocks/>
-          </p:cNvCxnSpPr>
-          <p:nvPr/>
-        </p:nvCxnSpPr>
-        <p:spPr>
-          <a:xfrm>
-            <a:off x="6809874" y="2919161"/>
-            <a:ext cx="1299410" cy="0"/>
-          </a:xfrm>
-          <a:prstGeom prst="line">
-            <a:avLst/>
-          </a:prstGeom>
-          <a:ln>
-            <a:solidFill>
-              <a:srgbClr val="FF0000"/>
-            </a:solidFill>
-          </a:ln>
-        </p:spPr>
-        <p:style>
-          <a:lnRef idx="3">
-            <a:schemeClr val="dk1"/>
-          </a:lnRef>
-          <a:fillRef idx="0">
-            <a:schemeClr val="dk1"/>
-          </a:fillRef>
-          <a:effectRef idx="2">
-            <a:schemeClr val="dk1"/>
-          </a:effectRef>
-          <a:fontRef idx="minor">
-            <a:schemeClr val="tx1"/>
-          </a:fontRef>
-        </p:style>
-      </p:cxnSp>
-      <p:cxnSp>
-        <p:nvCxnSpPr>
-          <p:cNvPr id="18" name="직선 연결선 17">
-            <a:extLst>
-              <a:ext uri="{FF2B5EF4-FFF2-40B4-BE49-F238E27FC236}">
-                <a16:creationId xmlns:a16="http://schemas.microsoft.com/office/drawing/2014/main" id="{A9E68159-18B7-429B-B5FA-213DE4125168}"/>
-              </a:ext>
-            </a:extLst>
-          </p:cNvPr>
-          <p:cNvCxnSpPr>
-            <a:cxnSpLocks/>
-          </p:cNvCxnSpPr>
-          <p:nvPr/>
-        </p:nvCxnSpPr>
-        <p:spPr>
-          <a:xfrm>
-            <a:off x="4130842" y="3889708"/>
-            <a:ext cx="1524000" cy="0"/>
-          </a:xfrm>
-          <a:prstGeom prst="line">
-            <a:avLst/>
-          </a:prstGeom>
-          <a:ln>
-            <a:solidFill>
-              <a:srgbClr val="FF0000"/>
-            </a:solidFill>
-          </a:ln>
-        </p:spPr>
-        <p:style>
-          <a:lnRef idx="3">
-            <a:schemeClr val="dk1"/>
-          </a:lnRef>
-          <a:fillRef idx="0">
-            <a:schemeClr val="dk1"/>
-          </a:fillRef>
-          <a:effectRef idx="2">
-            <a:schemeClr val="dk1"/>
-          </a:effectRef>
-          <a:fontRef idx="minor">
-            <a:schemeClr val="tx1"/>
-          </a:fontRef>
-        </p:style>
-      </p:cxnSp>
       <p:sp>
         <p:nvSpPr>
-          <p:cNvPr id="20" name="TextBox 19">
-            <a:extLst>
-              <a:ext uri="{FF2B5EF4-FFF2-40B4-BE49-F238E27FC236}">
-                <a16:creationId xmlns:a16="http://schemas.microsoft.com/office/drawing/2014/main" id="{57943983-01E2-473B-9EC1-36CA9845E1C6}"/>
-              </a:ext>
-            </a:extLst>
-          </p:cNvPr>
-          <p:cNvSpPr txBox="1"/>
-          <p:nvPr/>
+          <p:cNvPr id="2" name="제목 1">
+            <a:extLst>
+              <a:ext uri="{FF2B5EF4-FFF2-40B4-BE49-F238E27FC236}">
+                <a16:creationId xmlns:a16="http://schemas.microsoft.com/office/drawing/2014/main" id="{2EFA3D24-C14D-49EF-AB4F-77CDBA0707E7}"/>
+              </a:ext>
+            </a:extLst>
+          </p:cNvPr>
+          <p:cNvSpPr>
+            <a:spLocks noGrp="1"/>
+          </p:cNvSpPr>
+          <p:nvPr>
+            <p:ph type="title"/>
+          </p:nvPr>
         </p:nvSpPr>
         <p:spPr>
           <a:xfrm>
-            <a:off x="6165886" y="3662236"/>
-            <a:ext cx="5203669" cy="1446550"/>
-          </a:xfrm>
-          <a:prstGeom prst="rect">
-            <a:avLst/>
-          </a:prstGeom>
-          <a:noFill/>
+            <a:off x="2595813" y="2766218"/>
+            <a:ext cx="7000374" cy="1325563"/>
+          </a:xfrm>
         </p:spPr>
         <p:txBody>
-          <a:bodyPr wrap="none" rtlCol="0">
-            <a:spAutoFit/>
-          </a:bodyPr>
+          <a:bodyPr/>
           <a:lstStyle/>
           <a:p>
             <a:r>
+              <a:rPr lang="ko-KR" altLang="en-US" dirty="0" err="1"/>
+              <a:t>링커리어</a:t>
+            </a:r>
+            <a:r>
               <a:rPr lang="ko-KR" altLang="en-US" dirty="0"/>
-              <a:t>추출 데이터</a:t>
-            </a:r>
-            <a:endParaRPr lang="en-US" altLang="ko-KR" dirty="0"/>
-          </a:p>
-          <a:p>
-            <a:r>
-              <a:rPr lang="ko-KR" altLang="en-US" sz="1400" b="1" dirty="0"/>
-              <a:t>공모전이름</a:t>
-            </a:r>
-            <a:r>
-              <a:rPr lang="en-US" altLang="ko-KR" sz="1400" dirty="0"/>
-              <a:t>: 2024</a:t>
-            </a:r>
-            <a:r>
-              <a:rPr lang="ko-KR" altLang="en-US" sz="1400" dirty="0"/>
-              <a:t>년 청소년데이터 분석 활용 공모전</a:t>
-            </a:r>
-            <a:endParaRPr lang="en-US" altLang="ko-KR" sz="1400" dirty="0"/>
-          </a:p>
-          <a:p>
-            <a:r>
-              <a:rPr lang="ko-KR" altLang="en-US" sz="1400" b="1" dirty="0"/>
-              <a:t>공모전 주최자</a:t>
-            </a:r>
-            <a:r>
-              <a:rPr lang="en-US" altLang="ko-KR" sz="1400" dirty="0"/>
-              <a:t>: </a:t>
-            </a:r>
-            <a:r>
-              <a:rPr lang="ko-KR" altLang="en-US" sz="1400" dirty="0" err="1"/>
-              <a:t>한국청소년활동진흥원</a:t>
-            </a:r>
-            <a:endParaRPr lang="en-US" altLang="ko-KR" sz="1400" dirty="0"/>
-          </a:p>
-          <a:p>
-            <a:r>
-              <a:rPr lang="ko-KR" altLang="en-US" sz="1400" b="1" dirty="0"/>
-              <a:t>참여대상</a:t>
-            </a:r>
-            <a:r>
-              <a:rPr lang="en-US" altLang="ko-KR" sz="1400" dirty="0"/>
-              <a:t>: </a:t>
-            </a:r>
-            <a:r>
-              <a:rPr lang="ko-KR" altLang="en-US" sz="1400" dirty="0" err="1"/>
-              <a:t>대상제한없음</a:t>
-            </a:r>
-            <a:endParaRPr lang="en-US" altLang="ko-KR" sz="1400" dirty="0"/>
-          </a:p>
-          <a:p>
-            <a:r>
-              <a:rPr lang="ko-KR" altLang="en-US" sz="1400" b="1" dirty="0"/>
-              <a:t>접수기간</a:t>
-            </a:r>
-            <a:r>
-              <a:rPr lang="en-US" altLang="ko-KR" sz="1400" b="1" dirty="0"/>
-              <a:t>:</a:t>
-            </a:r>
-            <a:r>
-              <a:rPr lang="en-US" altLang="ko-KR" sz="1400" dirty="0"/>
-              <a:t> </a:t>
-            </a:r>
-            <a:r>
-              <a:rPr lang="ko-KR" altLang="en-US" sz="1400" b="1" dirty="0"/>
-              <a:t>시작일</a:t>
-            </a:r>
-            <a:r>
-              <a:rPr lang="en-US" altLang="ko-KR" sz="1400" dirty="0"/>
-              <a:t>:2024</a:t>
-            </a:r>
-            <a:r>
-              <a:rPr lang="ko-KR" altLang="en-US" sz="1400" dirty="0"/>
-              <a:t>년</a:t>
-            </a:r>
-            <a:r>
-              <a:rPr lang="en-US" altLang="ko-KR" sz="1400" dirty="0"/>
-              <a:t>/10</a:t>
-            </a:r>
-            <a:r>
-              <a:rPr lang="ko-KR" altLang="en-US" sz="1400" dirty="0"/>
-              <a:t>월</a:t>
-            </a:r>
-            <a:r>
-              <a:rPr lang="en-US" altLang="ko-KR" sz="1400" dirty="0"/>
-              <a:t>/30</a:t>
-            </a:r>
-            <a:r>
-              <a:rPr lang="ko-KR" altLang="en-US" sz="1400" dirty="0"/>
-              <a:t>일</a:t>
-            </a:r>
-            <a:r>
-              <a:rPr lang="en-US" altLang="ko-KR" sz="1400" dirty="0"/>
-              <a:t> </a:t>
-            </a:r>
-            <a:r>
-              <a:rPr lang="ko-KR" altLang="en-US" sz="1400" b="1" dirty="0"/>
-              <a:t>마감일</a:t>
-            </a:r>
-            <a:r>
-              <a:rPr lang="ko-KR" altLang="en-US" sz="1400" dirty="0"/>
-              <a:t> </a:t>
-            </a:r>
-            <a:r>
-              <a:rPr lang="en-US" altLang="ko-KR" sz="1400" dirty="0"/>
-              <a:t>2024</a:t>
-            </a:r>
-            <a:r>
-              <a:rPr lang="ko-KR" altLang="en-US" sz="1400" dirty="0"/>
-              <a:t>년</a:t>
-            </a:r>
-            <a:r>
-              <a:rPr lang="en-US" altLang="ko-KR" sz="1400" dirty="0"/>
-              <a:t>/12</a:t>
-            </a:r>
-            <a:r>
-              <a:rPr lang="ko-KR" altLang="en-US" sz="1400" dirty="0"/>
-              <a:t>월</a:t>
-            </a:r>
-            <a:r>
-              <a:rPr lang="en-US" altLang="ko-KR" sz="1400" dirty="0"/>
-              <a:t>/01</a:t>
-            </a:r>
-            <a:r>
-              <a:rPr lang="ko-KR" altLang="en-US" sz="1400" dirty="0"/>
-              <a:t>일</a:t>
-            </a:r>
-            <a:endParaRPr lang="en-US" altLang="ko-KR" sz="1400" dirty="0"/>
-          </a:p>
-          <a:p>
-            <a:r>
-              <a:rPr lang="ko-KR" altLang="en-US" sz="1400" b="1" dirty="0"/>
-              <a:t>공모분야</a:t>
-            </a:r>
-            <a:r>
-              <a:rPr lang="en-US" altLang="ko-KR" sz="1400" b="1" dirty="0"/>
-              <a:t>:</a:t>
-            </a:r>
-            <a:r>
-              <a:rPr lang="en-US" altLang="ko-KR" sz="1400" dirty="0"/>
-              <a:t> </a:t>
-            </a:r>
-            <a:r>
-              <a:rPr lang="ko-KR" altLang="en-US" sz="1400" dirty="0"/>
-              <a:t>기획</a:t>
-            </a:r>
-            <a:r>
-              <a:rPr lang="en-US" altLang="ko-KR" sz="1400" dirty="0"/>
-              <a:t>/</a:t>
-            </a:r>
-            <a:r>
-              <a:rPr lang="ko-KR" altLang="en-US" sz="1400" dirty="0"/>
-              <a:t>아이디어</a:t>
-            </a:r>
-            <a:r>
-              <a:rPr lang="en-US" altLang="ko-KR" sz="1400" dirty="0"/>
-              <a:t>, </a:t>
-            </a:r>
-            <a:r>
-              <a:rPr lang="ko-KR" altLang="en-US" sz="1400" dirty="0"/>
-              <a:t>과학</a:t>
-            </a:r>
-            <a:r>
-              <a:rPr lang="en-US" altLang="ko-KR" sz="1400" dirty="0"/>
-              <a:t>/</a:t>
-            </a:r>
-            <a:r>
-              <a:rPr lang="ko-KR" altLang="en-US" sz="1400" dirty="0"/>
-              <a:t>공학</a:t>
-            </a:r>
-            <a:endParaRPr lang="en-US" altLang="ko-KR" sz="1400" dirty="0"/>
-          </a:p>
-        </p:txBody>
-      </p:sp>
-      <p:sp>
-        <p:nvSpPr>
-          <p:cNvPr id="21" name="TextBox 20">
-            <a:extLst>
-              <a:ext uri="{FF2B5EF4-FFF2-40B4-BE49-F238E27FC236}">
-                <a16:creationId xmlns:a16="http://schemas.microsoft.com/office/drawing/2014/main" id="{9943BCDF-DCF9-47B3-97DA-859DCD0E97AE}"/>
-              </a:ext>
-            </a:extLst>
-          </p:cNvPr>
-          <p:cNvSpPr txBox="1"/>
-          <p:nvPr/>
-        </p:nvSpPr>
-        <p:spPr>
-          <a:xfrm>
-            <a:off x="8238034" y="-23938"/>
-            <a:ext cx="3841103" cy="646331"/>
-          </a:xfrm>
-          <a:prstGeom prst="rect">
-            <a:avLst/>
-          </a:prstGeom>
-          <a:noFill/>
-        </p:spPr>
-        <p:txBody>
-          <a:bodyPr wrap="square" rtlCol="0">
-            <a:spAutoFit/>
-          </a:bodyPr>
-          <a:lstStyle/>
-          <a:p>
-            <a:r>
-              <a:rPr lang="ko-KR" altLang="en-US" sz="1200" dirty="0"/>
-              <a:t>문제점</a:t>
-            </a:r>
-            <a:r>
-              <a:rPr lang="en-US" altLang="ko-KR" sz="1200" dirty="0"/>
-              <a:t>:</a:t>
-            </a:r>
-          </a:p>
-          <a:p>
-            <a:r>
-              <a:rPr lang="ko-KR" altLang="en-US" sz="1200" dirty="0"/>
-              <a:t>세부적으로 어느 분야에 속하는지 알 수 없음</a:t>
-            </a:r>
-            <a:endParaRPr lang="en-US" altLang="ko-KR" sz="1200" dirty="0"/>
-          </a:p>
-          <a:p>
-            <a:r>
-              <a:rPr lang="ko-KR" altLang="en-US" sz="1200" dirty="0"/>
-              <a:t>유저가 직접 입력해줘야 함</a:t>
-            </a:r>
-            <a:endParaRPr lang="en-US" altLang="ko-KR" sz="1200" dirty="0"/>
+              <a:t> 데이터 예시</a:t>
+            </a:r>
           </a:p>
         </p:txBody>
       </p:sp>
     </p:spTree>
     <p:extLst>
       <p:ext uri="{BB962C8B-B14F-4D97-AF65-F5344CB8AC3E}">
-        <p14:creationId xmlns:p14="http://schemas.microsoft.com/office/powerpoint/2010/main" val="3084206391"/>
+        <p14:creationId xmlns:p14="http://schemas.microsoft.com/office/powerpoint/2010/main" val="2370855995"/>
       </p:ext>
     </p:extLst>
   </p:cSld>
@@ -7663,7 +7195,7 @@
           <p:cNvPr id="7" name="그림 6">
             <a:extLst>
               <a:ext uri="{FF2B5EF4-FFF2-40B4-BE49-F238E27FC236}">
-                <a16:creationId xmlns:a16="http://schemas.microsoft.com/office/drawing/2014/main" id="{ED65B4D2-0E5B-4DB7-83B5-263C72CE5450}"/>
+                <a16:creationId xmlns:a16="http://schemas.microsoft.com/office/drawing/2014/main" id="{060C792B-9E8D-45E9-9DE4-43304C92E2D6}"/>
               </a:ext>
             </a:extLst>
           </p:cNvPr>
@@ -7680,8 +7212,8 @@
         </p:blipFill>
         <p:spPr>
           <a:xfrm>
-            <a:off x="0" y="0"/>
-            <a:ext cx="7924800" cy="2326105"/>
+            <a:off x="0" y="89234"/>
+            <a:ext cx="9060694" cy="6648450"/>
           </a:xfrm>
           <a:prstGeom prst="rect">
             <a:avLst/>
@@ -7693,7 +7225,7 @@
           <p:cNvPr id="8" name="직선 연결선 7">
             <a:extLst>
               <a:ext uri="{FF2B5EF4-FFF2-40B4-BE49-F238E27FC236}">
-                <a16:creationId xmlns:a16="http://schemas.microsoft.com/office/drawing/2014/main" id="{7229D7F9-174C-45B4-839E-BAEE24027177}"/>
+                <a16:creationId xmlns:a16="http://schemas.microsoft.com/office/drawing/2014/main" id="{37446249-649F-4AF5-8460-6D7B13EF4E4B}"/>
               </a:ext>
             </a:extLst>
           </p:cNvPr>
@@ -7704,8 +7236,8 @@
         </p:nvCxnSpPr>
         <p:spPr>
           <a:xfrm>
-            <a:off x="96960" y="1128963"/>
-            <a:ext cx="1555377" cy="0"/>
+            <a:off x="612523" y="929941"/>
+            <a:ext cx="4352509" cy="0"/>
           </a:xfrm>
           <a:prstGeom prst="line">
             <a:avLst/>
@@ -7736,7 +7268,7 @@
           <p:cNvPr id="10" name="직선 연결선 9">
             <a:extLst>
               <a:ext uri="{FF2B5EF4-FFF2-40B4-BE49-F238E27FC236}">
-                <a16:creationId xmlns:a16="http://schemas.microsoft.com/office/drawing/2014/main" id="{EC0623A2-7A32-4C6E-9D8F-EDC2175982CF}"/>
+                <a16:creationId xmlns:a16="http://schemas.microsoft.com/office/drawing/2014/main" id="{87DAE5C5-3033-4F4A-845D-6D94C9561F19}"/>
               </a:ext>
             </a:extLst>
           </p:cNvPr>
@@ -7747,8 +7279,8 @@
         </p:nvCxnSpPr>
         <p:spPr>
           <a:xfrm>
-            <a:off x="3016623" y="1118937"/>
-            <a:ext cx="1555377" cy="0"/>
+            <a:off x="3307597" y="1595688"/>
+            <a:ext cx="1472950" cy="0"/>
           </a:xfrm>
           <a:prstGeom prst="line">
             <a:avLst/>
@@ -7776,10 +7308,10 @@
       </p:cxnSp>
       <p:cxnSp>
         <p:nvCxnSpPr>
-          <p:cNvPr id="11" name="직선 연결선 10">
-            <a:extLst>
-              <a:ext uri="{FF2B5EF4-FFF2-40B4-BE49-F238E27FC236}">
-                <a16:creationId xmlns:a16="http://schemas.microsoft.com/office/drawing/2014/main" id="{311E771C-79A3-496D-8C31-A60406CA2B3E}"/>
+          <p:cNvPr id="12" name="직선 연결선 11">
+            <a:extLst>
+              <a:ext uri="{FF2B5EF4-FFF2-40B4-BE49-F238E27FC236}">
+                <a16:creationId xmlns:a16="http://schemas.microsoft.com/office/drawing/2014/main" id="{E0BA498C-71BB-4772-AD12-281359902151}"/>
               </a:ext>
             </a:extLst>
           </p:cNvPr>
@@ -7790,8 +7322,8 @@
         </p:nvCxnSpPr>
         <p:spPr>
           <a:xfrm>
-            <a:off x="96960" y="1674395"/>
-            <a:ext cx="7202198" cy="0"/>
+            <a:off x="6010692" y="2237372"/>
+            <a:ext cx="1697540" cy="0"/>
           </a:xfrm>
           <a:prstGeom prst="line">
             <a:avLst/>
@@ -7819,10 +7351,10 @@
       </p:cxnSp>
       <p:cxnSp>
         <p:nvCxnSpPr>
-          <p:cNvPr id="13" name="직선 연결선 12">
-            <a:extLst>
-              <a:ext uri="{FF2B5EF4-FFF2-40B4-BE49-F238E27FC236}">
-                <a16:creationId xmlns:a16="http://schemas.microsoft.com/office/drawing/2014/main" id="{F1CAD1D2-3879-4868-89EA-DDF984C8A17F}"/>
+          <p:cNvPr id="14" name="직선 연결선 13">
+            <a:extLst>
+              <a:ext uri="{FF2B5EF4-FFF2-40B4-BE49-F238E27FC236}">
+                <a16:creationId xmlns:a16="http://schemas.microsoft.com/office/drawing/2014/main" id="{AF83AFE3-8AE4-4259-A10C-6EB78A2C896A}"/>
               </a:ext>
             </a:extLst>
           </p:cNvPr>
@@ -7833,8 +7365,8 @@
         </p:nvCxnSpPr>
         <p:spPr>
           <a:xfrm>
-            <a:off x="96960" y="2027322"/>
-            <a:ext cx="3664914" cy="0"/>
+            <a:off x="6010692" y="2670509"/>
+            <a:ext cx="2098592" cy="0"/>
           </a:xfrm>
           <a:prstGeom prst="line">
             <a:avLst/>
@@ -7860,12 +7392,98 @@
           </a:fontRef>
         </p:style>
       </p:cxnSp>
+      <p:cxnSp>
+        <p:nvCxnSpPr>
+          <p:cNvPr id="16" name="직선 연결선 15">
+            <a:extLst>
+              <a:ext uri="{FF2B5EF4-FFF2-40B4-BE49-F238E27FC236}">
+                <a16:creationId xmlns:a16="http://schemas.microsoft.com/office/drawing/2014/main" id="{0E069A78-96B2-4DC3-84B4-1664B665F75A}"/>
+              </a:ext>
+            </a:extLst>
+          </p:cNvPr>
+          <p:cNvCxnSpPr>
+            <a:cxnSpLocks/>
+          </p:cNvCxnSpPr>
+          <p:nvPr/>
+        </p:nvCxnSpPr>
+        <p:spPr>
+          <a:xfrm>
+            <a:off x="6809874" y="2919161"/>
+            <a:ext cx="1299410" cy="0"/>
+          </a:xfrm>
+          <a:prstGeom prst="line">
+            <a:avLst/>
+          </a:prstGeom>
+          <a:ln>
+            <a:solidFill>
+              <a:srgbClr val="FF0000"/>
+            </a:solidFill>
+          </a:ln>
+        </p:spPr>
+        <p:style>
+          <a:lnRef idx="3">
+            <a:schemeClr val="dk1"/>
+          </a:lnRef>
+          <a:fillRef idx="0">
+            <a:schemeClr val="dk1"/>
+          </a:fillRef>
+          <a:effectRef idx="2">
+            <a:schemeClr val="dk1"/>
+          </a:effectRef>
+          <a:fontRef idx="minor">
+            <a:schemeClr val="tx1"/>
+          </a:fontRef>
+        </p:style>
+      </p:cxnSp>
+      <p:cxnSp>
+        <p:nvCxnSpPr>
+          <p:cNvPr id="18" name="직선 연결선 17">
+            <a:extLst>
+              <a:ext uri="{FF2B5EF4-FFF2-40B4-BE49-F238E27FC236}">
+                <a16:creationId xmlns:a16="http://schemas.microsoft.com/office/drawing/2014/main" id="{A9E68159-18B7-429B-B5FA-213DE4125168}"/>
+              </a:ext>
+            </a:extLst>
+          </p:cNvPr>
+          <p:cNvCxnSpPr>
+            <a:cxnSpLocks/>
+          </p:cNvCxnSpPr>
+          <p:nvPr/>
+        </p:nvCxnSpPr>
+        <p:spPr>
+          <a:xfrm>
+            <a:off x="4130842" y="3889708"/>
+            <a:ext cx="1524000" cy="0"/>
+          </a:xfrm>
+          <a:prstGeom prst="line">
+            <a:avLst/>
+          </a:prstGeom>
+          <a:ln>
+            <a:solidFill>
+              <a:srgbClr val="FF0000"/>
+            </a:solidFill>
+          </a:ln>
+        </p:spPr>
+        <p:style>
+          <a:lnRef idx="3">
+            <a:schemeClr val="dk1"/>
+          </a:lnRef>
+          <a:fillRef idx="0">
+            <a:schemeClr val="dk1"/>
+          </a:fillRef>
+          <a:effectRef idx="2">
+            <a:schemeClr val="dk1"/>
+          </a:effectRef>
+          <a:fontRef idx="minor">
+            <a:schemeClr val="tx1"/>
+          </a:fontRef>
+        </p:style>
+      </p:cxnSp>
       <p:sp>
         <p:nvSpPr>
-          <p:cNvPr id="15" name="TextBox 14">
-            <a:extLst>
-              <a:ext uri="{FF2B5EF4-FFF2-40B4-BE49-F238E27FC236}">
-                <a16:creationId xmlns:a16="http://schemas.microsoft.com/office/drawing/2014/main" id="{2EC7A3C7-D478-4D40-BD9C-21A7FCBBE80A}"/>
+          <p:cNvPr id="20" name="TextBox 19">
+            <a:extLst>
+              <a:ext uri="{FF2B5EF4-FFF2-40B4-BE49-F238E27FC236}">
+                <a16:creationId xmlns:a16="http://schemas.microsoft.com/office/drawing/2014/main" id="{57943983-01E2-473B-9EC1-36CA9845E1C6}"/>
               </a:ext>
             </a:extLst>
           </p:cNvPr>
@@ -7874,8 +7492,211 @@
         </p:nvSpPr>
         <p:spPr>
           <a:xfrm>
-            <a:off x="382710" y="2569339"/>
-            <a:ext cx="7924800" cy="2862322"/>
+            <a:off x="6165886" y="3662236"/>
+            <a:ext cx="5203669" cy="1446550"/>
+          </a:xfrm>
+          <a:prstGeom prst="rect">
+            <a:avLst/>
+          </a:prstGeom>
+          <a:noFill/>
+        </p:spPr>
+        <p:txBody>
+          <a:bodyPr wrap="none" rtlCol="0">
+            <a:spAutoFit/>
+          </a:bodyPr>
+          <a:lstStyle/>
+          <a:p>
+            <a:r>
+              <a:rPr lang="ko-KR" altLang="en-US" dirty="0"/>
+              <a:t>추출 데이터</a:t>
+            </a:r>
+            <a:endParaRPr lang="en-US" altLang="ko-KR" dirty="0"/>
+          </a:p>
+          <a:p>
+            <a:r>
+              <a:rPr lang="ko-KR" altLang="en-US" sz="1400" b="1" dirty="0"/>
+              <a:t>공모전이름</a:t>
+            </a:r>
+            <a:r>
+              <a:rPr lang="en-US" altLang="ko-KR" sz="1400" dirty="0"/>
+              <a:t>: 2024</a:t>
+            </a:r>
+            <a:r>
+              <a:rPr lang="ko-KR" altLang="en-US" sz="1400" dirty="0"/>
+              <a:t>년 청소년데이터 분석 활용 공모전</a:t>
+            </a:r>
+            <a:endParaRPr lang="en-US" altLang="ko-KR" sz="1400" dirty="0"/>
+          </a:p>
+          <a:p>
+            <a:r>
+              <a:rPr lang="ko-KR" altLang="en-US" sz="1400" b="1" dirty="0"/>
+              <a:t>공모전 주최자</a:t>
+            </a:r>
+            <a:r>
+              <a:rPr lang="en-US" altLang="ko-KR" sz="1400" dirty="0"/>
+              <a:t>: </a:t>
+            </a:r>
+            <a:r>
+              <a:rPr lang="ko-KR" altLang="en-US" sz="1400" dirty="0" err="1"/>
+              <a:t>한국청소년활동진흥원</a:t>
+            </a:r>
+            <a:endParaRPr lang="en-US" altLang="ko-KR" sz="1400" dirty="0"/>
+          </a:p>
+          <a:p>
+            <a:r>
+              <a:rPr lang="ko-KR" altLang="en-US" sz="1400" b="1" dirty="0"/>
+              <a:t>참여대상</a:t>
+            </a:r>
+            <a:r>
+              <a:rPr lang="en-US" altLang="ko-KR" sz="1400" dirty="0"/>
+              <a:t>: </a:t>
+            </a:r>
+            <a:r>
+              <a:rPr lang="ko-KR" altLang="en-US" sz="1400" dirty="0" err="1"/>
+              <a:t>대상제한없음</a:t>
+            </a:r>
+            <a:endParaRPr lang="en-US" altLang="ko-KR" sz="1400" dirty="0"/>
+          </a:p>
+          <a:p>
+            <a:r>
+              <a:rPr lang="ko-KR" altLang="en-US" sz="1400" b="1" dirty="0"/>
+              <a:t>접수기간</a:t>
+            </a:r>
+            <a:r>
+              <a:rPr lang="en-US" altLang="ko-KR" sz="1400" b="1" dirty="0"/>
+              <a:t>:</a:t>
+            </a:r>
+            <a:r>
+              <a:rPr lang="en-US" altLang="ko-KR" sz="1400" dirty="0"/>
+              <a:t> </a:t>
+            </a:r>
+            <a:r>
+              <a:rPr lang="ko-KR" altLang="en-US" sz="1400" b="1" dirty="0"/>
+              <a:t>시작일</a:t>
+            </a:r>
+            <a:r>
+              <a:rPr lang="en-US" altLang="ko-KR" sz="1400" dirty="0"/>
+              <a:t>:2024</a:t>
+            </a:r>
+            <a:r>
+              <a:rPr lang="ko-KR" altLang="en-US" sz="1400" dirty="0"/>
+              <a:t>년</a:t>
+            </a:r>
+            <a:r>
+              <a:rPr lang="en-US" altLang="ko-KR" sz="1400" dirty="0"/>
+              <a:t>/10</a:t>
+            </a:r>
+            <a:r>
+              <a:rPr lang="ko-KR" altLang="en-US" sz="1400" dirty="0"/>
+              <a:t>월</a:t>
+            </a:r>
+            <a:r>
+              <a:rPr lang="en-US" altLang="ko-KR" sz="1400" dirty="0"/>
+              <a:t>/30</a:t>
+            </a:r>
+            <a:r>
+              <a:rPr lang="ko-KR" altLang="en-US" sz="1400" dirty="0"/>
+              <a:t>일</a:t>
+            </a:r>
+            <a:r>
+              <a:rPr lang="en-US" altLang="ko-KR" sz="1400" dirty="0"/>
+              <a:t> </a:t>
+            </a:r>
+            <a:r>
+              <a:rPr lang="ko-KR" altLang="en-US" sz="1400" b="1" dirty="0"/>
+              <a:t>마감일</a:t>
+            </a:r>
+            <a:r>
+              <a:rPr lang="ko-KR" altLang="en-US" sz="1400" dirty="0"/>
+              <a:t> </a:t>
+            </a:r>
+            <a:r>
+              <a:rPr lang="en-US" altLang="ko-KR" sz="1400" dirty="0"/>
+              <a:t>2024</a:t>
+            </a:r>
+            <a:r>
+              <a:rPr lang="ko-KR" altLang="en-US" sz="1400" dirty="0"/>
+              <a:t>년</a:t>
+            </a:r>
+            <a:r>
+              <a:rPr lang="en-US" altLang="ko-KR" sz="1400" dirty="0"/>
+              <a:t>/12</a:t>
+            </a:r>
+            <a:r>
+              <a:rPr lang="ko-KR" altLang="en-US" sz="1400" dirty="0"/>
+              <a:t>월</a:t>
+            </a:r>
+            <a:r>
+              <a:rPr lang="en-US" altLang="ko-KR" sz="1400" dirty="0"/>
+              <a:t>/01</a:t>
+            </a:r>
+            <a:r>
+              <a:rPr lang="ko-KR" altLang="en-US" sz="1400" dirty="0"/>
+              <a:t>일</a:t>
+            </a:r>
+            <a:endParaRPr lang="en-US" altLang="ko-KR" sz="1400" dirty="0"/>
+          </a:p>
+          <a:p>
+            <a:r>
+              <a:rPr lang="ko-KR" altLang="en-US" sz="1400" b="1" dirty="0"/>
+              <a:t>공모분야</a:t>
+            </a:r>
+            <a:r>
+              <a:rPr lang="en-US" altLang="ko-KR" sz="1400" b="1" dirty="0"/>
+              <a:t>:</a:t>
+            </a:r>
+            <a:r>
+              <a:rPr lang="en-US" altLang="ko-KR" sz="1400" dirty="0"/>
+              <a:t> </a:t>
+            </a:r>
+            <a:r>
+              <a:rPr lang="ko-KR" altLang="en-US" sz="1400" dirty="0"/>
+              <a:t>기획</a:t>
+            </a:r>
+            <a:r>
+              <a:rPr lang="en-US" altLang="ko-KR" sz="1400" dirty="0"/>
+              <a:t>/</a:t>
+            </a:r>
+            <a:r>
+              <a:rPr lang="ko-KR" altLang="en-US" sz="1400" dirty="0"/>
+              <a:t>아이디어</a:t>
+            </a:r>
+            <a:r>
+              <a:rPr lang="en-US" altLang="ko-KR" sz="1400" dirty="0"/>
+              <a:t>, </a:t>
+            </a:r>
+            <a:r>
+              <a:rPr lang="ko-KR" altLang="en-US" sz="1400" dirty="0"/>
+              <a:t>과학</a:t>
+            </a:r>
+            <a:r>
+              <a:rPr lang="en-US" altLang="ko-KR" sz="1400" dirty="0"/>
+              <a:t>/</a:t>
+            </a:r>
+            <a:r>
+              <a:rPr lang="ko-KR" altLang="en-US" sz="1400" dirty="0"/>
+              <a:t>공학</a:t>
+            </a:r>
+            <a:endParaRPr lang="en-US" altLang="ko-KR" sz="1400" dirty="0"/>
+          </a:p>
+        </p:txBody>
+      </p:sp>
+      <p:sp>
+        <p:nvSpPr>
+          <p:cNvPr id="21" name="TextBox 20">
+            <a:extLst>
+              <a:ext uri="{FF2B5EF4-FFF2-40B4-BE49-F238E27FC236}">
+                <a16:creationId xmlns:a16="http://schemas.microsoft.com/office/drawing/2014/main" id="{9943BCDF-DCF9-47B3-97DA-859DCD0E97AE}"/>
+              </a:ext>
+            </a:extLst>
+          </p:cNvPr>
+          <p:cNvSpPr txBox="1"/>
+          <p:nvPr/>
+        </p:nvSpPr>
+        <p:spPr>
+          <a:xfrm>
+            <a:off x="8238034" y="-23938"/>
+            <a:ext cx="3841103" cy="646331"/>
           </a:xfrm>
           <a:prstGeom prst="rect">
             <a:avLst/>
@@ -7889,214 +7710,34 @@
           <a:lstStyle/>
           <a:p>
             <a:r>
-              <a:rPr lang="ko-KR" altLang="en-US" dirty="0"/>
-              <a:t>추출 데이터</a:t>
-            </a:r>
-            <a:endParaRPr lang="en-US" altLang="ko-KR" dirty="0"/>
-          </a:p>
-          <a:p>
-            <a:r>
-              <a:rPr lang="ko-KR" altLang="en-US" b="1" dirty="0"/>
-              <a:t>기업</a:t>
-            </a:r>
-            <a:r>
-              <a:rPr lang="en-US" altLang="ko-KR" dirty="0"/>
-              <a:t>: DGB </a:t>
-            </a:r>
-            <a:r>
-              <a:rPr lang="ko-KR" altLang="en-US" dirty="0"/>
-              <a:t>대구은행</a:t>
-            </a:r>
-            <a:endParaRPr lang="en-US" altLang="ko-KR" dirty="0"/>
-          </a:p>
-          <a:p>
-            <a:r>
-              <a:rPr lang="ko-KR" altLang="en-US" b="1" dirty="0"/>
-              <a:t>취업시기</a:t>
-            </a:r>
-            <a:r>
-              <a:rPr lang="en-US" altLang="ko-KR" dirty="0"/>
-              <a:t>: 2023 </a:t>
-            </a:r>
-            <a:r>
-              <a:rPr lang="ko-KR" altLang="en-US" dirty="0"/>
-              <a:t>하반기</a:t>
-            </a:r>
-            <a:endParaRPr lang="en-US" altLang="ko-KR" dirty="0"/>
-          </a:p>
-          <a:p>
-            <a:r>
-              <a:rPr lang="ko-KR" altLang="en-US" b="1" dirty="0"/>
-              <a:t>대학</a:t>
-            </a:r>
-            <a:r>
-              <a:rPr lang="en-US" altLang="ko-KR" dirty="0"/>
-              <a:t>: </a:t>
-            </a:r>
-            <a:r>
-              <a:rPr lang="ko-KR" altLang="en-US" dirty="0"/>
-              <a:t>한국외대</a:t>
-            </a:r>
-            <a:endParaRPr lang="en-US" altLang="ko-KR" dirty="0"/>
-          </a:p>
-          <a:p>
-            <a:r>
-              <a:rPr lang="ko-KR" altLang="en-US" b="1" dirty="0"/>
-              <a:t>전공</a:t>
-            </a:r>
-            <a:r>
-              <a:rPr lang="en-US" altLang="ko-KR" dirty="0"/>
-              <a:t>: </a:t>
-            </a:r>
-            <a:r>
-              <a:rPr lang="ko-KR" altLang="en-US" dirty="0" err="1"/>
-              <a:t>국제학전공</a:t>
-            </a:r>
-            <a:endParaRPr lang="en-US" altLang="ko-KR" dirty="0"/>
-          </a:p>
-          <a:p>
-            <a:r>
-              <a:rPr lang="ko-KR" altLang="en-US" b="1" dirty="0"/>
-              <a:t>학점</a:t>
-            </a:r>
-            <a:r>
-              <a:rPr lang="en-US" altLang="ko-KR" dirty="0"/>
-              <a:t>: 3.65</a:t>
-            </a:r>
-          </a:p>
-          <a:p>
-            <a:r>
-              <a:rPr lang="ko-KR" altLang="en-US" b="1" dirty="0"/>
-              <a:t>자격증</a:t>
-            </a:r>
-            <a:r>
-              <a:rPr lang="en-US" altLang="ko-KR" b="1" dirty="0"/>
-              <a:t> </a:t>
-            </a:r>
-            <a:r>
-              <a:rPr lang="ko-KR" altLang="en-US" b="1" dirty="0"/>
-              <a:t>종류</a:t>
-            </a:r>
-            <a:r>
-              <a:rPr lang="en-US" altLang="ko-KR" dirty="0"/>
-              <a:t>: </a:t>
-            </a:r>
-            <a:r>
-              <a:rPr lang="ko-KR" altLang="en-US" dirty="0"/>
-              <a:t>어학</a:t>
-            </a:r>
-            <a:r>
-              <a:rPr lang="en-US" altLang="ko-KR" dirty="0"/>
-              <a:t>/ </a:t>
-            </a:r>
-            <a:r>
-              <a:rPr lang="ko-KR" altLang="en-US" dirty="0"/>
-              <a:t>기사</a:t>
-            </a:r>
-            <a:r>
-              <a:rPr lang="en-US" altLang="ko-KR" dirty="0"/>
-              <a:t>/ </a:t>
-            </a:r>
-            <a:r>
-              <a:rPr lang="ko-KR" altLang="en-US" dirty="0"/>
-              <a:t>자격증</a:t>
-            </a:r>
-            <a:endParaRPr lang="en-US" altLang="ko-KR" dirty="0"/>
-          </a:p>
-          <a:p>
-            <a:r>
-              <a:rPr lang="ko-KR" altLang="en-US" b="1" dirty="0"/>
-              <a:t>설명</a:t>
-            </a:r>
-            <a:r>
-              <a:rPr lang="en-US" altLang="ko-KR" dirty="0"/>
-              <a:t>: </a:t>
-            </a:r>
-            <a:r>
-              <a:rPr lang="ko-KR" altLang="en-US" dirty="0"/>
-              <a:t>토익</a:t>
-            </a:r>
-            <a:r>
-              <a:rPr lang="en-US" altLang="ko-KR" dirty="0"/>
-              <a:t>(855)/</a:t>
-            </a:r>
-            <a:r>
-              <a:rPr lang="ko-KR" altLang="en-US" dirty="0"/>
-              <a:t> </a:t>
-            </a:r>
-            <a:r>
-              <a:rPr lang="en-US" altLang="ko-KR" dirty="0"/>
-              <a:t>/</a:t>
-            </a:r>
-            <a:r>
-              <a:rPr lang="ko-KR" altLang="en-US" dirty="0"/>
-              <a:t> </a:t>
-            </a:r>
-            <a:r>
-              <a:rPr lang="ko-KR" altLang="en-US" dirty="0" err="1"/>
-              <a:t>컴활</a:t>
-            </a:r>
-            <a:endParaRPr lang="en-US" altLang="ko-KR" dirty="0"/>
-          </a:p>
-          <a:p>
-            <a:r>
-              <a:rPr lang="ko-KR" altLang="en-US" b="1" dirty="0"/>
-              <a:t>대외활동</a:t>
-            </a:r>
-            <a:r>
-              <a:rPr lang="en-US" altLang="ko-KR" b="1" dirty="0"/>
-              <a:t> </a:t>
-            </a:r>
-            <a:r>
-              <a:rPr lang="ko-KR" altLang="en-US" b="1" dirty="0"/>
-              <a:t>종류</a:t>
-            </a:r>
-            <a:r>
-              <a:rPr lang="en-US" altLang="ko-KR" dirty="0"/>
-              <a:t>: </a:t>
-            </a:r>
-            <a:r>
-              <a:rPr lang="ko-KR" altLang="en-US" dirty="0"/>
-              <a:t>인턴</a:t>
-            </a:r>
-            <a:r>
-              <a:rPr lang="en-US" altLang="ko-KR" dirty="0"/>
-              <a:t>/ </a:t>
-            </a:r>
-            <a:r>
-              <a:rPr lang="ko-KR" altLang="en-US" dirty="0"/>
-              <a:t>계약직</a:t>
-            </a:r>
-            <a:endParaRPr lang="en-US" altLang="ko-KR" dirty="0"/>
-          </a:p>
-          <a:p>
-            <a:r>
-              <a:rPr lang="ko-KR" altLang="en-US" b="1" dirty="0"/>
-              <a:t>설명</a:t>
-            </a:r>
-            <a:r>
-              <a:rPr lang="en-US" altLang="ko-KR" dirty="0"/>
-              <a:t>: </a:t>
-            </a:r>
-            <a:r>
-              <a:rPr lang="ko-KR" altLang="en-US" dirty="0"/>
-              <a:t>주택도시보증공사 인턴</a:t>
-            </a:r>
-            <a:r>
-              <a:rPr lang="en-US" altLang="ko-KR" dirty="0"/>
-              <a:t>/ </a:t>
-            </a:r>
-            <a:r>
-              <a:rPr lang="ko-KR" altLang="en-US" dirty="0"/>
-              <a:t>국민은행</a:t>
-            </a:r>
+              <a:rPr lang="ko-KR" altLang="en-US" sz="1200" dirty="0"/>
+              <a:t>문제점</a:t>
+            </a:r>
+            <a:r>
+              <a:rPr lang="en-US" altLang="ko-KR" sz="1200" dirty="0"/>
+              <a:t>:</a:t>
+            </a:r>
+          </a:p>
+          <a:p>
+            <a:r>
+              <a:rPr lang="ko-KR" altLang="en-US" sz="1200" dirty="0"/>
+              <a:t>세부적으로 어느 분야에 속하는지 알 수 없음</a:t>
+            </a:r>
+            <a:endParaRPr lang="en-US" altLang="ko-KR" sz="1200" dirty="0"/>
+          </a:p>
+          <a:p>
+            <a:r>
+              <a:rPr lang="ko-KR" altLang="en-US" sz="1200" dirty="0"/>
+              <a:t>유저가 직접 입력해줘야 함</a:t>
+            </a:r>
+            <a:endParaRPr lang="en-US" altLang="ko-KR" sz="1200" dirty="0"/>
           </a:p>
         </p:txBody>
       </p:sp>
     </p:spTree>
     <p:extLst>
       <p:ext uri="{BB962C8B-B14F-4D97-AF65-F5344CB8AC3E}">
-        <p14:creationId xmlns:p14="http://schemas.microsoft.com/office/powerpoint/2010/main" val="2747799875"/>
+        <p14:creationId xmlns:p14="http://schemas.microsoft.com/office/powerpoint/2010/main" val="3084206391"/>
       </p:ext>
     </p:extLst>
   </p:cSld>
@@ -8123,44 +7764,445 @@
           <a:chExt cx="0" cy="0"/>
         </a:xfrm>
       </p:grpSpPr>
+      <p:pic>
+        <p:nvPicPr>
+          <p:cNvPr id="7" name="그림 6">
+            <a:extLst>
+              <a:ext uri="{FF2B5EF4-FFF2-40B4-BE49-F238E27FC236}">
+                <a16:creationId xmlns:a16="http://schemas.microsoft.com/office/drawing/2014/main" id="{ED65B4D2-0E5B-4DB7-83B5-263C72CE5450}"/>
+              </a:ext>
+            </a:extLst>
+          </p:cNvPr>
+          <p:cNvPicPr>
+            <a:picLocks noChangeAspect="1"/>
+          </p:cNvPicPr>
+          <p:nvPr/>
+        </p:nvPicPr>
+        <p:blipFill>
+          <a:blip r:embed="rId2"/>
+          <a:stretch>
+            <a:fillRect/>
+          </a:stretch>
+        </p:blipFill>
+        <p:spPr>
+          <a:xfrm>
+            <a:off x="0" y="0"/>
+            <a:ext cx="7924800" cy="2326105"/>
+          </a:xfrm>
+          <a:prstGeom prst="rect">
+            <a:avLst/>
+          </a:prstGeom>
+        </p:spPr>
+      </p:pic>
+      <p:cxnSp>
+        <p:nvCxnSpPr>
+          <p:cNvPr id="8" name="직선 연결선 7">
+            <a:extLst>
+              <a:ext uri="{FF2B5EF4-FFF2-40B4-BE49-F238E27FC236}">
+                <a16:creationId xmlns:a16="http://schemas.microsoft.com/office/drawing/2014/main" id="{7229D7F9-174C-45B4-839E-BAEE24027177}"/>
+              </a:ext>
+            </a:extLst>
+          </p:cNvPr>
+          <p:cNvCxnSpPr>
+            <a:cxnSpLocks/>
+          </p:cNvCxnSpPr>
+          <p:nvPr/>
+        </p:nvCxnSpPr>
+        <p:spPr>
+          <a:xfrm>
+            <a:off x="96960" y="1128963"/>
+            <a:ext cx="1555377" cy="0"/>
+          </a:xfrm>
+          <a:prstGeom prst="line">
+            <a:avLst/>
+          </a:prstGeom>
+          <a:ln>
+            <a:solidFill>
+              <a:srgbClr val="FF0000"/>
+            </a:solidFill>
+          </a:ln>
+        </p:spPr>
+        <p:style>
+          <a:lnRef idx="3">
+            <a:schemeClr val="dk1"/>
+          </a:lnRef>
+          <a:fillRef idx="0">
+            <a:schemeClr val="dk1"/>
+          </a:fillRef>
+          <a:effectRef idx="2">
+            <a:schemeClr val="dk1"/>
+          </a:effectRef>
+          <a:fontRef idx="minor">
+            <a:schemeClr val="tx1"/>
+          </a:fontRef>
+        </p:style>
+      </p:cxnSp>
+      <p:cxnSp>
+        <p:nvCxnSpPr>
+          <p:cNvPr id="10" name="직선 연결선 9">
+            <a:extLst>
+              <a:ext uri="{FF2B5EF4-FFF2-40B4-BE49-F238E27FC236}">
+                <a16:creationId xmlns:a16="http://schemas.microsoft.com/office/drawing/2014/main" id="{EC0623A2-7A32-4C6E-9D8F-EDC2175982CF}"/>
+              </a:ext>
+            </a:extLst>
+          </p:cNvPr>
+          <p:cNvCxnSpPr>
+            <a:cxnSpLocks/>
+          </p:cNvCxnSpPr>
+          <p:nvPr/>
+        </p:nvCxnSpPr>
+        <p:spPr>
+          <a:xfrm>
+            <a:off x="3016623" y="1118937"/>
+            <a:ext cx="1555377" cy="0"/>
+          </a:xfrm>
+          <a:prstGeom prst="line">
+            <a:avLst/>
+          </a:prstGeom>
+          <a:ln>
+            <a:solidFill>
+              <a:srgbClr val="FF0000"/>
+            </a:solidFill>
+          </a:ln>
+        </p:spPr>
+        <p:style>
+          <a:lnRef idx="3">
+            <a:schemeClr val="dk1"/>
+          </a:lnRef>
+          <a:fillRef idx="0">
+            <a:schemeClr val="dk1"/>
+          </a:fillRef>
+          <a:effectRef idx="2">
+            <a:schemeClr val="dk1"/>
+          </a:effectRef>
+          <a:fontRef idx="minor">
+            <a:schemeClr val="tx1"/>
+          </a:fontRef>
+        </p:style>
+      </p:cxnSp>
+      <p:cxnSp>
+        <p:nvCxnSpPr>
+          <p:cNvPr id="11" name="직선 연결선 10">
+            <a:extLst>
+              <a:ext uri="{FF2B5EF4-FFF2-40B4-BE49-F238E27FC236}">
+                <a16:creationId xmlns:a16="http://schemas.microsoft.com/office/drawing/2014/main" id="{311E771C-79A3-496D-8C31-A60406CA2B3E}"/>
+              </a:ext>
+            </a:extLst>
+          </p:cNvPr>
+          <p:cNvCxnSpPr>
+            <a:cxnSpLocks/>
+          </p:cNvCxnSpPr>
+          <p:nvPr/>
+        </p:nvCxnSpPr>
+        <p:spPr>
+          <a:xfrm>
+            <a:off x="96960" y="1674395"/>
+            <a:ext cx="7202198" cy="0"/>
+          </a:xfrm>
+          <a:prstGeom prst="line">
+            <a:avLst/>
+          </a:prstGeom>
+          <a:ln>
+            <a:solidFill>
+              <a:srgbClr val="FF0000"/>
+            </a:solidFill>
+          </a:ln>
+        </p:spPr>
+        <p:style>
+          <a:lnRef idx="3">
+            <a:schemeClr val="dk1"/>
+          </a:lnRef>
+          <a:fillRef idx="0">
+            <a:schemeClr val="dk1"/>
+          </a:fillRef>
+          <a:effectRef idx="2">
+            <a:schemeClr val="dk1"/>
+          </a:effectRef>
+          <a:fontRef idx="minor">
+            <a:schemeClr val="tx1"/>
+          </a:fontRef>
+        </p:style>
+      </p:cxnSp>
+      <p:cxnSp>
+        <p:nvCxnSpPr>
+          <p:cNvPr id="13" name="직선 연결선 12">
+            <a:extLst>
+              <a:ext uri="{FF2B5EF4-FFF2-40B4-BE49-F238E27FC236}">
+                <a16:creationId xmlns:a16="http://schemas.microsoft.com/office/drawing/2014/main" id="{F1CAD1D2-3879-4868-89EA-DDF984C8A17F}"/>
+              </a:ext>
+            </a:extLst>
+          </p:cNvPr>
+          <p:cNvCxnSpPr>
+            <a:cxnSpLocks/>
+          </p:cNvCxnSpPr>
+          <p:nvPr/>
+        </p:nvCxnSpPr>
+        <p:spPr>
+          <a:xfrm>
+            <a:off x="96960" y="2027322"/>
+            <a:ext cx="3664914" cy="0"/>
+          </a:xfrm>
+          <a:prstGeom prst="line">
+            <a:avLst/>
+          </a:prstGeom>
+          <a:ln>
+            <a:solidFill>
+              <a:srgbClr val="FF0000"/>
+            </a:solidFill>
+          </a:ln>
+        </p:spPr>
+        <p:style>
+          <a:lnRef idx="3">
+            <a:schemeClr val="dk1"/>
+          </a:lnRef>
+          <a:fillRef idx="0">
+            <a:schemeClr val="dk1"/>
+          </a:fillRef>
+          <a:effectRef idx="2">
+            <a:schemeClr val="dk1"/>
+          </a:effectRef>
+          <a:fontRef idx="minor">
+            <a:schemeClr val="tx1"/>
+          </a:fontRef>
+        </p:style>
+      </p:cxnSp>
       <p:sp>
         <p:nvSpPr>
-          <p:cNvPr id="2" name="제목 1">
-            <a:extLst>
-              <a:ext uri="{FF2B5EF4-FFF2-40B4-BE49-F238E27FC236}">
-                <a16:creationId xmlns:a16="http://schemas.microsoft.com/office/drawing/2014/main" id="{B91A6DD1-BAA2-4986-B5A7-2CDCAA5E9253}"/>
-              </a:ext>
-            </a:extLst>
-          </p:cNvPr>
-          <p:cNvSpPr>
-            <a:spLocks noGrp="1"/>
-          </p:cNvSpPr>
-          <p:nvPr>
-            <p:ph type="title"/>
-          </p:nvPr>
+          <p:cNvPr id="15" name="TextBox 14">
+            <a:extLst>
+              <a:ext uri="{FF2B5EF4-FFF2-40B4-BE49-F238E27FC236}">
+                <a16:creationId xmlns:a16="http://schemas.microsoft.com/office/drawing/2014/main" id="{2EC7A3C7-D478-4D40-BD9C-21A7FCBBE80A}"/>
+              </a:ext>
+            </a:extLst>
+          </p:cNvPr>
+          <p:cNvSpPr txBox="1"/>
+          <p:nvPr/>
         </p:nvSpPr>
         <p:spPr>
           <a:xfrm>
-            <a:off x="3467100" y="2766218"/>
-            <a:ext cx="5257800" cy="1325563"/>
-          </a:xfrm>
+            <a:off x="382710" y="2569339"/>
+            <a:ext cx="7924800" cy="2862322"/>
+          </a:xfrm>
+          <a:prstGeom prst="rect">
+            <a:avLst/>
+          </a:prstGeom>
+          <a:noFill/>
         </p:spPr>
         <p:txBody>
-          <a:bodyPr/>
+          <a:bodyPr wrap="square" rtlCol="0">
+            <a:spAutoFit/>
+          </a:bodyPr>
           <a:lstStyle/>
           <a:p>
             <a:r>
-              <a:rPr lang="ko-KR" altLang="en-US"/>
-              <a:t>자격증 데이터 예시</a:t>
-            </a:r>
-            <a:endParaRPr lang="ko-KR" altLang="en-US" dirty="0"/>
+              <a:rPr lang="ko-KR" altLang="en-US" dirty="0"/>
+              <a:t>추출 데이터</a:t>
+            </a:r>
+            <a:endParaRPr lang="en-US" altLang="ko-KR" dirty="0"/>
+          </a:p>
+          <a:p>
+            <a:r>
+              <a:rPr lang="ko-KR" altLang="en-US" b="1" dirty="0"/>
+              <a:t>기업</a:t>
+            </a:r>
+            <a:r>
+              <a:rPr lang="en-US" altLang="ko-KR" dirty="0"/>
+              <a:t>: DGB </a:t>
+            </a:r>
+            <a:r>
+              <a:rPr lang="ko-KR" altLang="en-US" dirty="0"/>
+              <a:t>대구은행</a:t>
+            </a:r>
+            <a:endParaRPr lang="en-US" altLang="ko-KR" dirty="0"/>
+          </a:p>
+          <a:p>
+            <a:r>
+              <a:rPr lang="ko-KR" altLang="en-US" b="1" dirty="0"/>
+              <a:t>취업시기</a:t>
+            </a:r>
+            <a:r>
+              <a:rPr lang="en-US" altLang="ko-KR" dirty="0"/>
+              <a:t>: 2023 </a:t>
+            </a:r>
+            <a:r>
+              <a:rPr lang="ko-KR" altLang="en-US" dirty="0"/>
+              <a:t>하반기</a:t>
+            </a:r>
+            <a:endParaRPr lang="en-US" altLang="ko-KR" dirty="0"/>
+          </a:p>
+          <a:p>
+            <a:r>
+              <a:rPr lang="ko-KR" altLang="en-US" b="1" dirty="0"/>
+              <a:t>대학</a:t>
+            </a:r>
+            <a:r>
+              <a:rPr lang="en-US" altLang="ko-KR" dirty="0"/>
+              <a:t>: </a:t>
+            </a:r>
+            <a:r>
+              <a:rPr lang="ko-KR" altLang="en-US" dirty="0"/>
+              <a:t>한국외대</a:t>
+            </a:r>
+            <a:endParaRPr lang="en-US" altLang="ko-KR" dirty="0"/>
+          </a:p>
+          <a:p>
+            <a:r>
+              <a:rPr lang="ko-KR" altLang="en-US" b="1" dirty="0"/>
+              <a:t>전공</a:t>
+            </a:r>
+            <a:r>
+              <a:rPr lang="en-US" altLang="ko-KR" dirty="0"/>
+              <a:t>: </a:t>
+            </a:r>
+            <a:r>
+              <a:rPr lang="ko-KR" altLang="en-US" dirty="0" err="1"/>
+              <a:t>국제학전공</a:t>
+            </a:r>
+            <a:endParaRPr lang="en-US" altLang="ko-KR" dirty="0"/>
+          </a:p>
+          <a:p>
+            <a:r>
+              <a:rPr lang="ko-KR" altLang="en-US" b="1" dirty="0"/>
+              <a:t>학점</a:t>
+            </a:r>
+            <a:r>
+              <a:rPr lang="en-US" altLang="ko-KR" dirty="0"/>
+              <a:t>: 3.65</a:t>
+            </a:r>
+          </a:p>
+          <a:p>
+            <a:r>
+              <a:rPr lang="ko-KR" altLang="en-US" b="1" dirty="0"/>
+              <a:t>자격증</a:t>
+            </a:r>
+            <a:r>
+              <a:rPr lang="en-US" altLang="ko-KR" b="1" dirty="0"/>
+              <a:t> </a:t>
+            </a:r>
+            <a:r>
+              <a:rPr lang="ko-KR" altLang="en-US" b="1" dirty="0"/>
+              <a:t>종류</a:t>
+            </a:r>
+            <a:r>
+              <a:rPr lang="en-US" altLang="ko-KR" dirty="0"/>
+              <a:t>: </a:t>
+            </a:r>
+            <a:r>
+              <a:rPr lang="ko-KR" altLang="en-US" dirty="0"/>
+              <a:t>어학</a:t>
+            </a:r>
+            <a:r>
+              <a:rPr lang="en-US" altLang="ko-KR" dirty="0"/>
+              <a:t>/ </a:t>
+            </a:r>
+            <a:r>
+              <a:rPr lang="ko-KR" altLang="en-US" dirty="0"/>
+              <a:t>기사</a:t>
+            </a:r>
+            <a:r>
+              <a:rPr lang="en-US" altLang="ko-KR" dirty="0"/>
+              <a:t>/ </a:t>
+            </a:r>
+            <a:r>
+              <a:rPr lang="ko-KR" altLang="en-US" dirty="0"/>
+              <a:t>자격증</a:t>
+            </a:r>
+            <a:endParaRPr lang="en-US" altLang="ko-KR" dirty="0"/>
+          </a:p>
+          <a:p>
+            <a:r>
+              <a:rPr lang="ko-KR" altLang="en-US" b="1" dirty="0"/>
+              <a:t>설명</a:t>
+            </a:r>
+            <a:r>
+              <a:rPr lang="en-US" altLang="ko-KR" dirty="0"/>
+              <a:t>: </a:t>
+            </a:r>
+            <a:r>
+              <a:rPr lang="ko-KR" altLang="en-US" dirty="0"/>
+              <a:t>토익</a:t>
+            </a:r>
+            <a:r>
+              <a:rPr lang="en-US" altLang="ko-KR" dirty="0"/>
+              <a:t>(855)/</a:t>
+            </a:r>
+            <a:r>
+              <a:rPr lang="ko-KR" altLang="en-US" dirty="0"/>
+              <a:t> </a:t>
+            </a:r>
+            <a:r>
+              <a:rPr lang="en-US" altLang="ko-KR" dirty="0"/>
+              <a:t>/</a:t>
+            </a:r>
+            <a:r>
+              <a:rPr lang="ko-KR" altLang="en-US" dirty="0"/>
+              <a:t> </a:t>
+            </a:r>
+            <a:r>
+              <a:rPr lang="ko-KR" altLang="en-US" dirty="0" err="1"/>
+              <a:t>컴활</a:t>
+            </a:r>
+            <a:endParaRPr lang="en-US" altLang="ko-KR" dirty="0"/>
+          </a:p>
+          <a:p>
+            <a:r>
+              <a:rPr lang="ko-KR" altLang="en-US" b="1" dirty="0"/>
+              <a:t>대외활동</a:t>
+            </a:r>
+            <a:r>
+              <a:rPr lang="en-US" altLang="ko-KR" b="1" dirty="0"/>
+              <a:t> </a:t>
+            </a:r>
+            <a:r>
+              <a:rPr lang="ko-KR" altLang="en-US" b="1" dirty="0"/>
+              <a:t>종류</a:t>
+            </a:r>
+            <a:r>
+              <a:rPr lang="en-US" altLang="ko-KR" dirty="0"/>
+              <a:t>: </a:t>
+            </a:r>
+            <a:r>
+              <a:rPr lang="ko-KR" altLang="en-US" dirty="0"/>
+              <a:t>인턴</a:t>
+            </a:r>
+            <a:r>
+              <a:rPr lang="en-US" altLang="ko-KR" dirty="0"/>
+              <a:t>/ </a:t>
+            </a:r>
+            <a:r>
+              <a:rPr lang="ko-KR" altLang="en-US" dirty="0"/>
+              <a:t>계약직</a:t>
+            </a:r>
+            <a:endParaRPr lang="en-US" altLang="ko-KR" dirty="0"/>
+          </a:p>
+          <a:p>
+            <a:r>
+              <a:rPr lang="ko-KR" altLang="en-US" b="1" dirty="0"/>
+              <a:t>설명</a:t>
+            </a:r>
+            <a:r>
+              <a:rPr lang="en-US" altLang="ko-KR" dirty="0"/>
+              <a:t>: </a:t>
+            </a:r>
+            <a:r>
+              <a:rPr lang="ko-KR" altLang="en-US" dirty="0"/>
+              <a:t>주택도시보증공사 인턴</a:t>
+            </a:r>
+            <a:r>
+              <a:rPr lang="en-US" altLang="ko-KR" dirty="0"/>
+              <a:t>/ </a:t>
+            </a:r>
+            <a:r>
+              <a:rPr lang="ko-KR" altLang="en-US" dirty="0"/>
+              <a:t>국민은행</a:t>
+            </a:r>
           </a:p>
         </p:txBody>
       </p:sp>
     </p:spTree>
     <p:extLst>
       <p:ext uri="{BB962C8B-B14F-4D97-AF65-F5344CB8AC3E}">
-        <p14:creationId xmlns:p14="http://schemas.microsoft.com/office/powerpoint/2010/main" val="2864059936"/>
+        <p14:creationId xmlns:p14="http://schemas.microsoft.com/office/powerpoint/2010/main" val="2747799875"/>
       </p:ext>
     </p:extLst>
   </p:cSld>
@@ -8187,418 +8229,44 @@
           <a:chExt cx="0" cy="0"/>
         </a:xfrm>
       </p:grpSpPr>
-      <p:pic>
-        <p:nvPicPr>
-          <p:cNvPr id="5" name="그림 4">
-            <a:extLst>
-              <a:ext uri="{FF2B5EF4-FFF2-40B4-BE49-F238E27FC236}">
-                <a16:creationId xmlns:a16="http://schemas.microsoft.com/office/drawing/2014/main" id="{C19F582F-0B82-47C6-9067-A5E25B1A6480}"/>
-              </a:ext>
-            </a:extLst>
-          </p:cNvPr>
-          <p:cNvPicPr>
-            <a:picLocks noChangeAspect="1"/>
-          </p:cNvPicPr>
-          <p:nvPr/>
-        </p:nvPicPr>
-        <p:blipFill>
-          <a:blip r:embed="rId2"/>
-          <a:stretch>
-            <a:fillRect/>
-          </a:stretch>
-        </p:blipFill>
-        <p:spPr>
-          <a:xfrm>
-            <a:off x="0" y="0"/>
-            <a:ext cx="9761080" cy="6858000"/>
-          </a:xfrm>
-          <a:prstGeom prst="rect">
-            <a:avLst/>
-          </a:prstGeom>
-        </p:spPr>
-      </p:pic>
-      <p:cxnSp>
-        <p:nvCxnSpPr>
-          <p:cNvPr id="6" name="직선 연결선 5">
-            <a:extLst>
-              <a:ext uri="{FF2B5EF4-FFF2-40B4-BE49-F238E27FC236}">
-                <a16:creationId xmlns:a16="http://schemas.microsoft.com/office/drawing/2014/main" id="{2EB3F7D2-8089-42D3-9106-D40E3582C0E8}"/>
-              </a:ext>
-            </a:extLst>
-          </p:cNvPr>
-          <p:cNvCxnSpPr>
-            <a:cxnSpLocks/>
-          </p:cNvCxnSpPr>
-          <p:nvPr/>
-        </p:nvCxnSpPr>
-        <p:spPr>
-          <a:xfrm>
-            <a:off x="2270665" y="2027321"/>
-            <a:ext cx="665040" cy="0"/>
-          </a:xfrm>
-          <a:prstGeom prst="line">
-            <a:avLst/>
-          </a:prstGeom>
-          <a:ln>
-            <a:solidFill>
-              <a:srgbClr val="FF0000"/>
-            </a:solidFill>
-          </a:ln>
-        </p:spPr>
-        <p:style>
-          <a:lnRef idx="3">
-            <a:schemeClr val="dk1"/>
-          </a:lnRef>
-          <a:fillRef idx="0">
-            <a:schemeClr val="dk1"/>
-          </a:fillRef>
-          <a:effectRef idx="2">
-            <a:schemeClr val="dk1"/>
-          </a:effectRef>
-          <a:fontRef idx="minor">
-            <a:schemeClr val="tx1"/>
-          </a:fontRef>
-        </p:style>
-      </p:cxnSp>
-      <p:cxnSp>
-        <p:nvCxnSpPr>
-          <p:cNvPr id="9" name="직선 연결선 8">
-            <a:extLst>
-              <a:ext uri="{FF2B5EF4-FFF2-40B4-BE49-F238E27FC236}">
-                <a16:creationId xmlns:a16="http://schemas.microsoft.com/office/drawing/2014/main" id="{CB9BA6D9-68FF-4FD1-82B6-F3A454B2544A}"/>
-              </a:ext>
-            </a:extLst>
-          </p:cNvPr>
-          <p:cNvCxnSpPr>
-            <a:cxnSpLocks/>
-          </p:cNvCxnSpPr>
-          <p:nvPr/>
-        </p:nvCxnSpPr>
-        <p:spPr>
-          <a:xfrm>
-            <a:off x="2270665" y="2184483"/>
-            <a:ext cx="665040" cy="0"/>
-          </a:xfrm>
-          <a:prstGeom prst="line">
-            <a:avLst/>
-          </a:prstGeom>
-          <a:ln>
-            <a:solidFill>
-              <a:srgbClr val="FF0000"/>
-            </a:solidFill>
-          </a:ln>
-        </p:spPr>
-        <p:style>
-          <a:lnRef idx="3">
-            <a:schemeClr val="dk1"/>
-          </a:lnRef>
-          <a:fillRef idx="0">
-            <a:schemeClr val="dk1"/>
-          </a:fillRef>
-          <a:effectRef idx="2">
-            <a:schemeClr val="dk1"/>
-          </a:effectRef>
-          <a:fontRef idx="minor">
-            <a:schemeClr val="tx1"/>
-          </a:fontRef>
-        </p:style>
-      </p:cxnSp>
-      <p:cxnSp>
-        <p:nvCxnSpPr>
-          <p:cNvPr id="10" name="직선 연결선 9">
-            <a:extLst>
-              <a:ext uri="{FF2B5EF4-FFF2-40B4-BE49-F238E27FC236}">
-                <a16:creationId xmlns:a16="http://schemas.microsoft.com/office/drawing/2014/main" id="{ACC1BC2D-6BA4-478F-987C-5EB01D8C431F}"/>
-              </a:ext>
-            </a:extLst>
-          </p:cNvPr>
-          <p:cNvCxnSpPr>
-            <a:cxnSpLocks/>
-          </p:cNvCxnSpPr>
-          <p:nvPr/>
-        </p:nvCxnSpPr>
-        <p:spPr>
-          <a:xfrm>
-            <a:off x="4207415" y="1620921"/>
-            <a:ext cx="665040" cy="0"/>
-          </a:xfrm>
-          <a:prstGeom prst="line">
-            <a:avLst/>
-          </a:prstGeom>
-          <a:ln>
-            <a:solidFill>
-              <a:srgbClr val="FF0000"/>
-            </a:solidFill>
-          </a:ln>
-        </p:spPr>
-        <p:style>
-          <a:lnRef idx="3">
-            <a:schemeClr val="dk1"/>
-          </a:lnRef>
-          <a:fillRef idx="0">
-            <a:schemeClr val="dk1"/>
-          </a:fillRef>
-          <a:effectRef idx="2">
-            <a:schemeClr val="dk1"/>
-          </a:effectRef>
-          <a:fontRef idx="minor">
-            <a:schemeClr val="tx1"/>
-          </a:fontRef>
-        </p:style>
-      </p:cxnSp>
-      <p:cxnSp>
-        <p:nvCxnSpPr>
-          <p:cNvPr id="11" name="직선 연결선 10">
-            <a:extLst>
-              <a:ext uri="{FF2B5EF4-FFF2-40B4-BE49-F238E27FC236}">
-                <a16:creationId xmlns:a16="http://schemas.microsoft.com/office/drawing/2014/main" id="{6DD47616-EF0C-4C88-8B64-E84EA2A2B1B6}"/>
-              </a:ext>
-            </a:extLst>
-          </p:cNvPr>
-          <p:cNvCxnSpPr>
-            <a:cxnSpLocks/>
-          </p:cNvCxnSpPr>
-          <p:nvPr/>
-        </p:nvCxnSpPr>
-        <p:spPr>
-          <a:xfrm>
-            <a:off x="5540915" y="1620921"/>
-            <a:ext cx="665040" cy="0"/>
-          </a:xfrm>
-          <a:prstGeom prst="line">
-            <a:avLst/>
-          </a:prstGeom>
-          <a:ln>
-            <a:solidFill>
-              <a:srgbClr val="FF0000"/>
-            </a:solidFill>
-          </a:ln>
-        </p:spPr>
-        <p:style>
-          <a:lnRef idx="3">
-            <a:schemeClr val="dk1"/>
-          </a:lnRef>
-          <a:fillRef idx="0">
-            <a:schemeClr val="dk1"/>
-          </a:fillRef>
-          <a:effectRef idx="2">
-            <a:schemeClr val="dk1"/>
-          </a:effectRef>
-          <a:fontRef idx="minor">
-            <a:schemeClr val="tx1"/>
-          </a:fontRef>
-        </p:style>
-      </p:cxnSp>
       <p:sp>
         <p:nvSpPr>
-          <p:cNvPr id="12" name="TextBox 11">
-            <a:extLst>
-              <a:ext uri="{FF2B5EF4-FFF2-40B4-BE49-F238E27FC236}">
-                <a16:creationId xmlns:a16="http://schemas.microsoft.com/office/drawing/2014/main" id="{C1FE514D-8BA6-4EFF-AFED-AB73A266B287}"/>
-              </a:ext>
-            </a:extLst>
-          </p:cNvPr>
-          <p:cNvSpPr txBox="1"/>
-          <p:nvPr/>
+          <p:cNvPr id="2" name="제목 1">
+            <a:extLst>
+              <a:ext uri="{FF2B5EF4-FFF2-40B4-BE49-F238E27FC236}">
+                <a16:creationId xmlns:a16="http://schemas.microsoft.com/office/drawing/2014/main" id="{B91A6DD1-BAA2-4986-B5A7-2CDCAA5E9253}"/>
+              </a:ext>
+            </a:extLst>
+          </p:cNvPr>
+          <p:cNvSpPr>
+            <a:spLocks noGrp="1"/>
+          </p:cNvSpPr>
+          <p:nvPr>
+            <p:ph type="title"/>
+          </p:nvPr>
         </p:nvSpPr>
         <p:spPr>
           <a:xfrm>
-            <a:off x="9188450" y="1181100"/>
-            <a:ext cx="1338828" cy="369332"/>
-          </a:xfrm>
-          <a:prstGeom prst="rect">
-            <a:avLst/>
-          </a:prstGeom>
-          <a:noFill/>
+            <a:off x="3467100" y="2766218"/>
+            <a:ext cx="5257800" cy="1325563"/>
+          </a:xfrm>
         </p:spPr>
         <p:txBody>
-          <a:bodyPr wrap="none" rtlCol="0">
-            <a:spAutoFit/>
-          </a:bodyPr>
+          <a:bodyPr/>
           <a:lstStyle/>
           <a:p>
             <a:r>
-              <a:rPr lang="ko-KR" altLang="en-US" dirty="0"/>
-              <a:t>추출데이터</a:t>
-            </a:r>
-            <a:endParaRPr lang="en-US" altLang="ko-KR" dirty="0"/>
-          </a:p>
-        </p:txBody>
-      </p:sp>
-      <p:sp>
-        <p:nvSpPr>
-          <p:cNvPr id="13" name="TextBox 12">
-            <a:extLst>
-              <a:ext uri="{FF2B5EF4-FFF2-40B4-BE49-F238E27FC236}">
-                <a16:creationId xmlns:a16="http://schemas.microsoft.com/office/drawing/2014/main" id="{31E88F49-0D37-4BB5-851A-D08EEEF37720}"/>
-              </a:ext>
-            </a:extLst>
-          </p:cNvPr>
-          <p:cNvSpPr txBox="1"/>
-          <p:nvPr/>
-        </p:nvSpPr>
-        <p:spPr>
-          <a:xfrm>
-            <a:off x="8574500" y="1561981"/>
-            <a:ext cx="2566728" cy="1600438"/>
-          </a:xfrm>
-          <a:prstGeom prst="rect">
-            <a:avLst/>
-          </a:prstGeom>
-          <a:noFill/>
-        </p:spPr>
-        <p:txBody>
-          <a:bodyPr wrap="none" rtlCol="0">
-            <a:spAutoFit/>
-          </a:bodyPr>
-          <a:lstStyle/>
-          <a:p>
-            <a:r>
-              <a:rPr lang="ko-KR" altLang="en-US" sz="1400" b="1" dirty="0"/>
-              <a:t>주최</a:t>
-            </a:r>
-            <a:r>
-              <a:rPr lang="en-US" altLang="ko-KR" sz="1400" dirty="0"/>
-              <a:t>: </a:t>
-            </a:r>
-            <a:r>
-              <a:rPr lang="ko-KR" altLang="en-US" sz="1400" dirty="0"/>
-              <a:t>데이터자격검정</a:t>
-            </a:r>
-            <a:endParaRPr lang="en-US" altLang="ko-KR" sz="1400" dirty="0"/>
-          </a:p>
-          <a:p>
-            <a:r>
-              <a:rPr lang="ko-KR" altLang="en-US" sz="1400" b="1" dirty="0"/>
-              <a:t>자격증명</a:t>
-            </a:r>
-            <a:r>
-              <a:rPr lang="en-US" altLang="ko-KR" sz="1400" dirty="0"/>
-              <a:t>: </a:t>
-            </a:r>
-            <a:r>
-              <a:rPr lang="ko-KR" altLang="en-US" sz="1400" dirty="0"/>
-              <a:t>빅데이터 분석 기사</a:t>
-            </a:r>
-            <a:endParaRPr lang="en-US" altLang="ko-KR" sz="1400" dirty="0"/>
-          </a:p>
-          <a:p>
-            <a:r>
-              <a:rPr lang="ko-KR" altLang="en-US" sz="1400" b="1" dirty="0"/>
-              <a:t>자격증종류</a:t>
-            </a:r>
-            <a:r>
-              <a:rPr lang="en-US" altLang="ko-KR" sz="1400" dirty="0"/>
-              <a:t>: </a:t>
-            </a:r>
-            <a:r>
-              <a:rPr lang="ko-KR" altLang="en-US" sz="1400" dirty="0"/>
-              <a:t>기사</a:t>
-            </a:r>
-            <a:endParaRPr lang="en-US" altLang="ko-KR" sz="1400" dirty="0"/>
-          </a:p>
-          <a:p>
-            <a:r>
-              <a:rPr lang="ko-KR" altLang="en-US" sz="1400" b="1" dirty="0"/>
-              <a:t>자격증 종목</a:t>
-            </a:r>
-            <a:r>
-              <a:rPr lang="en-US" altLang="ko-KR" sz="1400" dirty="0"/>
-              <a:t>: </a:t>
-            </a:r>
-            <a:r>
-              <a:rPr lang="ko-KR" altLang="en-US" sz="1400" dirty="0"/>
-              <a:t>데이터</a:t>
-            </a:r>
-            <a:endParaRPr lang="en-US" altLang="ko-KR" sz="1400" dirty="0"/>
-          </a:p>
-          <a:p>
-            <a:r>
-              <a:rPr lang="ko-KR" altLang="en-US" sz="1400" b="1" dirty="0"/>
-              <a:t>접수시작기간</a:t>
-            </a:r>
-            <a:r>
-              <a:rPr lang="en-US" altLang="ko-KR" sz="1400" b="1" dirty="0"/>
-              <a:t>:</a:t>
-            </a:r>
-            <a:r>
-              <a:rPr lang="en-US" altLang="ko-KR" sz="1400" dirty="0"/>
-              <a:t> 3</a:t>
-            </a:r>
-            <a:r>
-              <a:rPr lang="ko-KR" altLang="en-US" sz="1400" dirty="0"/>
-              <a:t>월</a:t>
-            </a:r>
-            <a:r>
-              <a:rPr lang="en-US" altLang="ko-KR" sz="1400" dirty="0"/>
-              <a:t>/ 4</a:t>
-            </a:r>
-            <a:r>
-              <a:rPr lang="ko-KR" altLang="en-US" sz="1400" dirty="0"/>
-              <a:t>일</a:t>
-            </a:r>
-            <a:endParaRPr lang="en-US" altLang="ko-KR" sz="1400" dirty="0"/>
-          </a:p>
-          <a:p>
-            <a:r>
-              <a:rPr lang="ko-KR" altLang="en-US" sz="1400" b="1" dirty="0"/>
-              <a:t>접수종료기간</a:t>
-            </a:r>
-            <a:r>
-              <a:rPr lang="en-US" altLang="ko-KR" sz="1400" b="1" dirty="0"/>
-              <a:t>:</a:t>
-            </a:r>
-            <a:r>
-              <a:rPr lang="en-US" altLang="ko-KR" sz="1400" dirty="0"/>
-              <a:t>3</a:t>
-            </a:r>
-            <a:r>
-              <a:rPr lang="ko-KR" altLang="en-US" sz="1400" dirty="0"/>
-              <a:t>월</a:t>
-            </a:r>
-            <a:r>
-              <a:rPr lang="en-US" altLang="ko-KR" sz="1400" dirty="0"/>
-              <a:t>/ 8</a:t>
-            </a:r>
-            <a:r>
-              <a:rPr lang="ko-KR" altLang="en-US" sz="1400" dirty="0"/>
-              <a:t>일</a:t>
-            </a:r>
-            <a:endParaRPr lang="en-US" altLang="ko-KR" sz="1400" dirty="0"/>
-          </a:p>
-          <a:p>
-            <a:r>
-              <a:rPr lang="ko-KR" altLang="en-US" sz="1400" b="1" dirty="0"/>
-              <a:t>시험일</a:t>
-            </a:r>
-            <a:r>
-              <a:rPr lang="en-US" altLang="ko-KR" sz="1400" b="1" dirty="0"/>
-              <a:t>:</a:t>
-            </a:r>
-            <a:r>
-              <a:rPr lang="en-US" altLang="ko-KR" sz="1400" dirty="0"/>
-              <a:t>4</a:t>
-            </a:r>
-            <a:r>
-              <a:rPr lang="ko-KR" altLang="en-US" sz="1400" dirty="0"/>
-              <a:t>월</a:t>
-            </a:r>
-            <a:r>
-              <a:rPr lang="en-US" altLang="ko-KR" sz="1400" dirty="0"/>
-              <a:t>/ 6</a:t>
-            </a:r>
-            <a:r>
-              <a:rPr lang="ko-KR" altLang="en-US" sz="1400" dirty="0"/>
-              <a:t>일</a:t>
-            </a:r>
-            <a:endParaRPr lang="ko-KR" altLang="en-US" sz="1400" b="1" dirty="0"/>
+              <a:rPr lang="ko-KR" altLang="en-US"/>
+              <a:t>자격증 데이터 예시</a:t>
+            </a:r>
+            <a:endParaRPr lang="ko-KR" altLang="en-US" dirty="0"/>
           </a:p>
         </p:txBody>
       </p:sp>
     </p:spTree>
     <p:extLst>
       <p:ext uri="{BB962C8B-B14F-4D97-AF65-F5344CB8AC3E}">
-        <p14:creationId xmlns:p14="http://schemas.microsoft.com/office/powerpoint/2010/main" val="3378924550"/>
+        <p14:creationId xmlns:p14="http://schemas.microsoft.com/office/powerpoint/2010/main" val="2864059936"/>
       </p:ext>
     </p:extLst>
   </p:cSld>
@@ -8625,44 +8293,418 @@
           <a:chExt cx="0" cy="0"/>
         </a:xfrm>
       </p:grpSpPr>
+      <p:pic>
+        <p:nvPicPr>
+          <p:cNvPr id="5" name="그림 4">
+            <a:extLst>
+              <a:ext uri="{FF2B5EF4-FFF2-40B4-BE49-F238E27FC236}">
+                <a16:creationId xmlns:a16="http://schemas.microsoft.com/office/drawing/2014/main" id="{C19F582F-0B82-47C6-9067-A5E25B1A6480}"/>
+              </a:ext>
+            </a:extLst>
+          </p:cNvPr>
+          <p:cNvPicPr>
+            <a:picLocks noChangeAspect="1"/>
+          </p:cNvPicPr>
+          <p:nvPr/>
+        </p:nvPicPr>
+        <p:blipFill>
+          <a:blip r:embed="rId2"/>
+          <a:stretch>
+            <a:fillRect/>
+          </a:stretch>
+        </p:blipFill>
+        <p:spPr>
+          <a:xfrm>
+            <a:off x="0" y="0"/>
+            <a:ext cx="9761080" cy="6858000"/>
+          </a:xfrm>
+          <a:prstGeom prst="rect">
+            <a:avLst/>
+          </a:prstGeom>
+        </p:spPr>
+      </p:pic>
+      <p:cxnSp>
+        <p:nvCxnSpPr>
+          <p:cNvPr id="6" name="직선 연결선 5">
+            <a:extLst>
+              <a:ext uri="{FF2B5EF4-FFF2-40B4-BE49-F238E27FC236}">
+                <a16:creationId xmlns:a16="http://schemas.microsoft.com/office/drawing/2014/main" id="{2EB3F7D2-8089-42D3-9106-D40E3582C0E8}"/>
+              </a:ext>
+            </a:extLst>
+          </p:cNvPr>
+          <p:cNvCxnSpPr>
+            <a:cxnSpLocks/>
+          </p:cNvCxnSpPr>
+          <p:nvPr/>
+        </p:nvCxnSpPr>
+        <p:spPr>
+          <a:xfrm>
+            <a:off x="2270665" y="2027321"/>
+            <a:ext cx="665040" cy="0"/>
+          </a:xfrm>
+          <a:prstGeom prst="line">
+            <a:avLst/>
+          </a:prstGeom>
+          <a:ln>
+            <a:solidFill>
+              <a:srgbClr val="FF0000"/>
+            </a:solidFill>
+          </a:ln>
+        </p:spPr>
+        <p:style>
+          <a:lnRef idx="3">
+            <a:schemeClr val="dk1"/>
+          </a:lnRef>
+          <a:fillRef idx="0">
+            <a:schemeClr val="dk1"/>
+          </a:fillRef>
+          <a:effectRef idx="2">
+            <a:schemeClr val="dk1"/>
+          </a:effectRef>
+          <a:fontRef idx="minor">
+            <a:schemeClr val="tx1"/>
+          </a:fontRef>
+        </p:style>
+      </p:cxnSp>
+      <p:cxnSp>
+        <p:nvCxnSpPr>
+          <p:cNvPr id="9" name="직선 연결선 8">
+            <a:extLst>
+              <a:ext uri="{FF2B5EF4-FFF2-40B4-BE49-F238E27FC236}">
+                <a16:creationId xmlns:a16="http://schemas.microsoft.com/office/drawing/2014/main" id="{CB9BA6D9-68FF-4FD1-82B6-F3A454B2544A}"/>
+              </a:ext>
+            </a:extLst>
+          </p:cNvPr>
+          <p:cNvCxnSpPr>
+            <a:cxnSpLocks/>
+          </p:cNvCxnSpPr>
+          <p:nvPr/>
+        </p:nvCxnSpPr>
+        <p:spPr>
+          <a:xfrm>
+            <a:off x="2270665" y="2184483"/>
+            <a:ext cx="665040" cy="0"/>
+          </a:xfrm>
+          <a:prstGeom prst="line">
+            <a:avLst/>
+          </a:prstGeom>
+          <a:ln>
+            <a:solidFill>
+              <a:srgbClr val="FF0000"/>
+            </a:solidFill>
+          </a:ln>
+        </p:spPr>
+        <p:style>
+          <a:lnRef idx="3">
+            <a:schemeClr val="dk1"/>
+          </a:lnRef>
+          <a:fillRef idx="0">
+            <a:schemeClr val="dk1"/>
+          </a:fillRef>
+          <a:effectRef idx="2">
+            <a:schemeClr val="dk1"/>
+          </a:effectRef>
+          <a:fontRef idx="minor">
+            <a:schemeClr val="tx1"/>
+          </a:fontRef>
+        </p:style>
+      </p:cxnSp>
+      <p:cxnSp>
+        <p:nvCxnSpPr>
+          <p:cNvPr id="10" name="직선 연결선 9">
+            <a:extLst>
+              <a:ext uri="{FF2B5EF4-FFF2-40B4-BE49-F238E27FC236}">
+                <a16:creationId xmlns:a16="http://schemas.microsoft.com/office/drawing/2014/main" id="{ACC1BC2D-6BA4-478F-987C-5EB01D8C431F}"/>
+              </a:ext>
+            </a:extLst>
+          </p:cNvPr>
+          <p:cNvCxnSpPr>
+            <a:cxnSpLocks/>
+          </p:cNvCxnSpPr>
+          <p:nvPr/>
+        </p:nvCxnSpPr>
+        <p:spPr>
+          <a:xfrm>
+            <a:off x="4207415" y="1620921"/>
+            <a:ext cx="665040" cy="0"/>
+          </a:xfrm>
+          <a:prstGeom prst="line">
+            <a:avLst/>
+          </a:prstGeom>
+          <a:ln>
+            <a:solidFill>
+              <a:srgbClr val="FF0000"/>
+            </a:solidFill>
+          </a:ln>
+        </p:spPr>
+        <p:style>
+          <a:lnRef idx="3">
+            <a:schemeClr val="dk1"/>
+          </a:lnRef>
+          <a:fillRef idx="0">
+            <a:schemeClr val="dk1"/>
+          </a:fillRef>
+          <a:effectRef idx="2">
+            <a:schemeClr val="dk1"/>
+          </a:effectRef>
+          <a:fontRef idx="minor">
+            <a:schemeClr val="tx1"/>
+          </a:fontRef>
+        </p:style>
+      </p:cxnSp>
+      <p:cxnSp>
+        <p:nvCxnSpPr>
+          <p:cNvPr id="11" name="직선 연결선 10">
+            <a:extLst>
+              <a:ext uri="{FF2B5EF4-FFF2-40B4-BE49-F238E27FC236}">
+                <a16:creationId xmlns:a16="http://schemas.microsoft.com/office/drawing/2014/main" id="{6DD47616-EF0C-4C88-8B64-E84EA2A2B1B6}"/>
+              </a:ext>
+            </a:extLst>
+          </p:cNvPr>
+          <p:cNvCxnSpPr>
+            <a:cxnSpLocks/>
+          </p:cNvCxnSpPr>
+          <p:nvPr/>
+        </p:nvCxnSpPr>
+        <p:spPr>
+          <a:xfrm>
+            <a:off x="5540915" y="1620921"/>
+            <a:ext cx="665040" cy="0"/>
+          </a:xfrm>
+          <a:prstGeom prst="line">
+            <a:avLst/>
+          </a:prstGeom>
+          <a:ln>
+            <a:solidFill>
+              <a:srgbClr val="FF0000"/>
+            </a:solidFill>
+          </a:ln>
+        </p:spPr>
+        <p:style>
+          <a:lnRef idx="3">
+            <a:schemeClr val="dk1"/>
+          </a:lnRef>
+          <a:fillRef idx="0">
+            <a:schemeClr val="dk1"/>
+          </a:fillRef>
+          <a:effectRef idx="2">
+            <a:schemeClr val="dk1"/>
+          </a:effectRef>
+          <a:fontRef idx="minor">
+            <a:schemeClr val="tx1"/>
+          </a:fontRef>
+        </p:style>
+      </p:cxnSp>
       <p:sp>
         <p:nvSpPr>
-          <p:cNvPr id="2" name="제목 1">
-            <a:extLst>
-              <a:ext uri="{FF2B5EF4-FFF2-40B4-BE49-F238E27FC236}">
-                <a16:creationId xmlns:a16="http://schemas.microsoft.com/office/drawing/2014/main" id="{883AF3AF-C5EF-413A-8FAE-7CEDAC2BDD8C}"/>
-              </a:ext>
-            </a:extLst>
-          </p:cNvPr>
-          <p:cNvSpPr>
-            <a:spLocks noGrp="1"/>
-          </p:cNvSpPr>
-          <p:nvPr>
-            <p:ph type="title"/>
-          </p:nvPr>
+          <p:cNvPr id="12" name="TextBox 11">
+            <a:extLst>
+              <a:ext uri="{FF2B5EF4-FFF2-40B4-BE49-F238E27FC236}">
+                <a16:creationId xmlns:a16="http://schemas.microsoft.com/office/drawing/2014/main" id="{C1FE514D-8BA6-4EFF-AFED-AB73A266B287}"/>
+              </a:ext>
+            </a:extLst>
+          </p:cNvPr>
+          <p:cNvSpPr txBox="1"/>
+          <p:nvPr/>
         </p:nvSpPr>
         <p:spPr>
           <a:xfrm>
-            <a:off x="838200" y="2766218"/>
-            <a:ext cx="10515600" cy="1325563"/>
-          </a:xfrm>
+            <a:off x="9188450" y="1181100"/>
+            <a:ext cx="1338828" cy="369332"/>
+          </a:xfrm>
+          <a:prstGeom prst="rect">
+            <a:avLst/>
+          </a:prstGeom>
+          <a:noFill/>
         </p:spPr>
         <p:txBody>
-          <a:bodyPr/>
+          <a:bodyPr wrap="none" rtlCol="0">
+            <a:spAutoFit/>
+          </a:bodyPr>
           <a:lstStyle/>
           <a:p>
-            <a:pPr algn="ctr"/>
             <a:r>
               <a:rPr lang="ko-KR" altLang="en-US" dirty="0"/>
-              <a:t>활용 시나리오</a:t>
-            </a:r>
+              <a:t>추출데이터</a:t>
+            </a:r>
+            <a:endParaRPr lang="en-US" altLang="ko-KR" dirty="0"/>
+          </a:p>
+        </p:txBody>
+      </p:sp>
+      <p:sp>
+        <p:nvSpPr>
+          <p:cNvPr id="13" name="TextBox 12">
+            <a:extLst>
+              <a:ext uri="{FF2B5EF4-FFF2-40B4-BE49-F238E27FC236}">
+                <a16:creationId xmlns:a16="http://schemas.microsoft.com/office/drawing/2014/main" id="{31E88F49-0D37-4BB5-851A-D08EEEF37720}"/>
+              </a:ext>
+            </a:extLst>
+          </p:cNvPr>
+          <p:cNvSpPr txBox="1"/>
+          <p:nvPr/>
+        </p:nvSpPr>
+        <p:spPr>
+          <a:xfrm>
+            <a:off x="8574500" y="1561981"/>
+            <a:ext cx="2566728" cy="1600438"/>
+          </a:xfrm>
+          <a:prstGeom prst="rect">
+            <a:avLst/>
+          </a:prstGeom>
+          <a:noFill/>
+        </p:spPr>
+        <p:txBody>
+          <a:bodyPr wrap="none" rtlCol="0">
+            <a:spAutoFit/>
+          </a:bodyPr>
+          <a:lstStyle/>
+          <a:p>
+            <a:r>
+              <a:rPr lang="ko-KR" altLang="en-US" sz="1400" b="1" dirty="0"/>
+              <a:t>주최</a:t>
+            </a:r>
+            <a:r>
+              <a:rPr lang="en-US" altLang="ko-KR" sz="1400" dirty="0"/>
+              <a:t>: </a:t>
+            </a:r>
+            <a:r>
+              <a:rPr lang="ko-KR" altLang="en-US" sz="1400" dirty="0"/>
+              <a:t>데이터자격검정</a:t>
+            </a:r>
+            <a:endParaRPr lang="en-US" altLang="ko-KR" sz="1400" dirty="0"/>
+          </a:p>
+          <a:p>
+            <a:r>
+              <a:rPr lang="ko-KR" altLang="en-US" sz="1400" b="1" dirty="0"/>
+              <a:t>자격증명</a:t>
+            </a:r>
+            <a:r>
+              <a:rPr lang="en-US" altLang="ko-KR" sz="1400" dirty="0"/>
+              <a:t>: </a:t>
+            </a:r>
+            <a:r>
+              <a:rPr lang="ko-KR" altLang="en-US" sz="1400" dirty="0"/>
+              <a:t>빅데이터 분석 기사</a:t>
+            </a:r>
+            <a:endParaRPr lang="en-US" altLang="ko-KR" sz="1400" dirty="0"/>
+          </a:p>
+          <a:p>
+            <a:r>
+              <a:rPr lang="ko-KR" altLang="en-US" sz="1400" b="1" dirty="0"/>
+              <a:t>자격증종류</a:t>
+            </a:r>
+            <a:r>
+              <a:rPr lang="en-US" altLang="ko-KR" sz="1400" dirty="0"/>
+              <a:t>: </a:t>
+            </a:r>
+            <a:r>
+              <a:rPr lang="ko-KR" altLang="en-US" sz="1400" dirty="0"/>
+              <a:t>기사</a:t>
+            </a:r>
+            <a:endParaRPr lang="en-US" altLang="ko-KR" sz="1400" dirty="0"/>
+          </a:p>
+          <a:p>
+            <a:r>
+              <a:rPr lang="ko-KR" altLang="en-US" sz="1400" b="1" dirty="0"/>
+              <a:t>자격증 종목</a:t>
+            </a:r>
+            <a:r>
+              <a:rPr lang="en-US" altLang="ko-KR" sz="1400" dirty="0"/>
+              <a:t>: </a:t>
+            </a:r>
+            <a:r>
+              <a:rPr lang="ko-KR" altLang="en-US" sz="1400" dirty="0"/>
+              <a:t>데이터</a:t>
+            </a:r>
+            <a:endParaRPr lang="en-US" altLang="ko-KR" sz="1400" dirty="0"/>
+          </a:p>
+          <a:p>
+            <a:r>
+              <a:rPr lang="ko-KR" altLang="en-US" sz="1400" b="1" dirty="0"/>
+              <a:t>접수시작기간</a:t>
+            </a:r>
+            <a:r>
+              <a:rPr lang="en-US" altLang="ko-KR" sz="1400" b="1" dirty="0"/>
+              <a:t>:</a:t>
+            </a:r>
+            <a:r>
+              <a:rPr lang="en-US" altLang="ko-KR" sz="1400" dirty="0"/>
+              <a:t> 3</a:t>
+            </a:r>
+            <a:r>
+              <a:rPr lang="ko-KR" altLang="en-US" sz="1400" dirty="0"/>
+              <a:t>월</a:t>
+            </a:r>
+            <a:r>
+              <a:rPr lang="en-US" altLang="ko-KR" sz="1400" dirty="0"/>
+              <a:t>/ 4</a:t>
+            </a:r>
+            <a:r>
+              <a:rPr lang="ko-KR" altLang="en-US" sz="1400" dirty="0"/>
+              <a:t>일</a:t>
+            </a:r>
+            <a:endParaRPr lang="en-US" altLang="ko-KR" sz="1400" dirty="0"/>
+          </a:p>
+          <a:p>
+            <a:r>
+              <a:rPr lang="ko-KR" altLang="en-US" sz="1400" b="1" dirty="0"/>
+              <a:t>접수종료기간</a:t>
+            </a:r>
+            <a:r>
+              <a:rPr lang="en-US" altLang="ko-KR" sz="1400" b="1" dirty="0"/>
+              <a:t>:</a:t>
+            </a:r>
+            <a:r>
+              <a:rPr lang="en-US" altLang="ko-KR" sz="1400" dirty="0"/>
+              <a:t>3</a:t>
+            </a:r>
+            <a:r>
+              <a:rPr lang="ko-KR" altLang="en-US" sz="1400" dirty="0"/>
+              <a:t>월</a:t>
+            </a:r>
+            <a:r>
+              <a:rPr lang="en-US" altLang="ko-KR" sz="1400" dirty="0"/>
+              <a:t>/ 8</a:t>
+            </a:r>
+            <a:r>
+              <a:rPr lang="ko-KR" altLang="en-US" sz="1400" dirty="0"/>
+              <a:t>일</a:t>
+            </a:r>
+            <a:endParaRPr lang="en-US" altLang="ko-KR" sz="1400" dirty="0"/>
+          </a:p>
+          <a:p>
+            <a:r>
+              <a:rPr lang="ko-KR" altLang="en-US" sz="1400" b="1" dirty="0"/>
+              <a:t>시험일</a:t>
+            </a:r>
+            <a:r>
+              <a:rPr lang="en-US" altLang="ko-KR" sz="1400" b="1" dirty="0"/>
+              <a:t>:</a:t>
+            </a:r>
+            <a:r>
+              <a:rPr lang="en-US" altLang="ko-KR" sz="1400" dirty="0"/>
+              <a:t>4</a:t>
+            </a:r>
+            <a:r>
+              <a:rPr lang="ko-KR" altLang="en-US" sz="1400" dirty="0"/>
+              <a:t>월</a:t>
+            </a:r>
+            <a:r>
+              <a:rPr lang="en-US" altLang="ko-KR" sz="1400" dirty="0"/>
+              <a:t>/ 6</a:t>
+            </a:r>
+            <a:r>
+              <a:rPr lang="ko-KR" altLang="en-US" sz="1400" dirty="0"/>
+              <a:t>일</a:t>
+            </a:r>
+            <a:endParaRPr lang="ko-KR" altLang="en-US" sz="1400" b="1" dirty="0"/>
           </a:p>
         </p:txBody>
       </p:sp>
     </p:spTree>
     <p:extLst>
       <p:ext uri="{BB962C8B-B14F-4D97-AF65-F5344CB8AC3E}">
-        <p14:creationId xmlns:p14="http://schemas.microsoft.com/office/powerpoint/2010/main" val="1200278432"/>
+        <p14:creationId xmlns:p14="http://schemas.microsoft.com/office/powerpoint/2010/main" val="3378924550"/>
       </p:ext>
     </p:extLst>
   </p:cSld>
